--- a/public/ppt/MetaGame.pptx
+++ b/public/ppt/MetaGame.pptx
@@ -14,6 +14,7 @@
     <p:sldId id="262" r:id="rId9"/>
     <p:sldId id="263" r:id="rId10"/>
     <p:sldId id="264" r:id="rId11"/>
+    <p:sldId id="265" r:id="rId12"/>
   </p:sldIdLst>
   <p:sldSz cx="10080625" cy="5670550"/>
   <p:notesSz cx="7559675" cy="10691813"/>
@@ -154,7 +155,7 @@
         <p:txBody>
           <a:bodyPr/>
           <a:p>
-            <a:fld id="{F74ACA94-4FEF-4506-9487-3AC5675543C3}" type="slidenum">
+            <a:fld id="{848DD7FE-DDA3-40A2-8FBA-23802F8C33D8}" type="slidenum">
               <a:t>&lt;#&gt;</a:t>
             </a:fld>
           </a:p>
@@ -317,7 +318,7 @@
         <p:txBody>
           <a:bodyPr/>
           <a:p>
-            <a:fld id="{20E5AE39-FAF5-46FF-916B-B40C34A9C342}" type="slidenum">
+            <a:fld id="{EF1D8031-E799-49FB-9158-C01B835E91BD}" type="slidenum">
               <a:t>&lt;#&gt;</a:t>
             </a:fld>
           </a:p>
@@ -802,7 +803,7 @@
             <a:pPr indent="0" algn="r">
               <a:buNone/>
             </a:pPr>
-            <a:fld id="{BB4E5DB7-200E-41D2-8EC1-FB15867A23FA}" type="slidenum">
+            <a:fld id="{D042057F-F4C9-415D-8F4C-F54BABE99D4B}" type="slidenum">
               <a:rPr b="0" lang="en-US" sz="1400" spc="-1" strike="noStrike">
                 <a:solidFill>
                   <a:srgbClr val="000000"/>
@@ -1035,6 +1036,244 @@
                 <a:latin typeface="Arial"/>
               </a:rPr>
               <a:t>这是一个游戏”——游戏</a:t>
+            </a:r>
+            <a:endParaRPr b="0" lang="en-US" sz="2800" spc="-1" strike="noStrike">
+              <a:solidFill>
+                <a:srgbClr val="000000"/>
+              </a:solidFill>
+              <a:latin typeface="Arial"/>
+            </a:endParaRPr>
+          </a:p>
+        </p:txBody>
+      </p:sp>
+    </p:spTree>
+  </p:cSld>
+  <mc:AlternateContent>
+    <mc:Choice Requires="p14">
+      <p:transition spd="slow" p14:dur="2000"/>
+    </mc:Choice>
+    <mc:Fallback>
+      <p:transition spd="slow"/>
+    </mc:Fallback>
+  </mc:AlternateContent>
+</p:sld>
+</file>
+
+<file path=ppt/slides/slide10.xml><?xml version="1.0" encoding="utf-8"?>
+<p:sld xmlns:a="http://schemas.openxmlformats.org/drawingml/2006/main" xmlns:p="http://schemas.openxmlformats.org/presentationml/2006/main" xmlns:r="http://schemas.openxmlformats.org/officeDocument/2006/relationships" xmlns:p14="http://schemas.microsoft.com/office/powerpoint/2010/main" xmlns:p15="http://schemas.microsoft.com/office/powerpoint/2012/main" xmlns:mc="http://schemas.openxmlformats.org/markup-compatibility/2006">
+  <p:cSld>
+    <p:spTree>
+      <p:nvGrpSpPr>
+        <p:cNvPr id="1" name=""/>
+        <p:cNvGrpSpPr/>
+        <p:nvPr/>
+      </p:nvGrpSpPr>
+      <p:grpSpPr>
+        <a:xfrm>
+          <a:off x="0" y="0"/>
+          <a:ext cx="0" cy="0"/>
+          <a:chOff x="0" y="0"/>
+          <a:chExt cx="0" cy="0"/>
+        </a:xfrm>
+      </p:grpSpPr>
+      <p:sp>
+        <p:nvSpPr>
+          <p:cNvPr id="34" name="PlaceHolder 1"/>
+          <p:cNvSpPr>
+            <a:spLocks noGrp="1"/>
+          </p:cNvSpPr>
+          <p:nvPr>
+            <p:ph type="title"/>
+          </p:nvPr>
+        </p:nvSpPr>
+        <p:spPr>
+          <a:xfrm>
+            <a:off x="504000" y="226080"/>
+            <a:ext cx="9071640" cy="946440"/>
+          </a:xfrm>
+          <a:prstGeom prst="rect">
+            <a:avLst/>
+          </a:prstGeom>
+          <a:noFill/>
+          <a:ln w="0">
+            <a:noFill/>
+          </a:ln>
+        </p:spPr>
+        <p:txBody>
+          <a:bodyPr lIns="0" rIns="0" tIns="0" bIns="0" anchor="ctr">
+            <a:noAutofit/>
+          </a:bodyPr>
+          <a:p>
+            <a:pPr indent="0" algn="ctr">
+              <a:buNone/>
+            </a:pPr>
+            <a:r>
+              <a:rPr b="0" lang="en-US" sz="4400" spc="-1" strike="noStrike">
+                <a:solidFill>
+                  <a:srgbClr val="000000"/>
+                </a:solidFill>
+                <a:latin typeface="Arial"/>
+              </a:rPr>
+              <a:t>MetaGame</a:t>
+            </a:r>
+            <a:endParaRPr b="0" lang="en-US" sz="4400" spc="-1" strike="noStrike">
+              <a:solidFill>
+                <a:srgbClr val="000000"/>
+              </a:solidFill>
+              <a:latin typeface="Arial"/>
+            </a:endParaRPr>
+          </a:p>
+        </p:txBody>
+      </p:sp>
+      <p:sp>
+        <p:nvSpPr>
+          <p:cNvPr id="35" name="PlaceHolder 2"/>
+          <p:cNvSpPr>
+            <a:spLocks noGrp="1"/>
+          </p:cNvSpPr>
+          <p:nvPr>
+            <p:ph/>
+          </p:nvPr>
+        </p:nvSpPr>
+        <p:spPr>
+          <a:xfrm>
+            <a:off x="504000" y="1326600"/>
+            <a:ext cx="9071640" cy="3288240"/>
+          </a:xfrm>
+          <a:prstGeom prst="rect">
+            <a:avLst/>
+          </a:prstGeom>
+          <a:noFill/>
+          <a:ln w="0">
+            <a:noFill/>
+          </a:ln>
+        </p:spPr>
+        <p:txBody>
+          <a:bodyPr lIns="0" rIns="0" tIns="0" bIns="0" anchor="t">
+            <a:normAutofit/>
+          </a:bodyPr>
+          <a:p>
+            <a:pPr marL="432000" indent="-324000">
+              <a:spcBef>
+                <a:spcPts val="1417"/>
+              </a:spcBef>
+              <a:buClr>
+                <a:srgbClr val="000000"/>
+              </a:buClr>
+              <a:buSzPct val="45000"/>
+              <a:buFont typeface="Wingdings" charset="2"/>
+              <a:buChar char=""/>
+            </a:pPr>
+            <a:r>
+              <a:rPr b="0" lang="zh-CN" sz="3200" spc="-1" strike="noStrike">
+                <a:solidFill>
+                  <a:srgbClr val="000000"/>
+                </a:solidFill>
+                <a:latin typeface="Arial"/>
+              </a:rPr>
+              <a:t>为什么</a:t>
+            </a:r>
+            <a:r>
+              <a:rPr b="0" lang="en-US" sz="3200" spc="-1" strike="noStrike">
+                <a:solidFill>
+                  <a:srgbClr val="000000"/>
+                </a:solidFill>
+                <a:latin typeface="Arial"/>
+              </a:rPr>
+              <a:t>MetaGame</a:t>
+            </a:r>
+            <a:r>
+              <a:rPr b="0" lang="zh-CN" sz="3200" spc="-1" strike="noStrike">
+                <a:solidFill>
+                  <a:srgbClr val="000000"/>
+                </a:solidFill>
+                <a:latin typeface="Arial"/>
+              </a:rPr>
+              <a:t>会更成功？</a:t>
+            </a:r>
+            <a:endParaRPr b="0" lang="en-US" sz="3200" spc="-1" strike="noStrike">
+              <a:solidFill>
+                <a:srgbClr val="000000"/>
+              </a:solidFill>
+              <a:latin typeface="Arial"/>
+            </a:endParaRPr>
+          </a:p>
+          <a:p>
+            <a:pPr lvl="1" marL="864000" indent="-324000">
+              <a:spcBef>
+                <a:spcPts val="1134"/>
+              </a:spcBef>
+              <a:buClr>
+                <a:srgbClr val="000000"/>
+              </a:buClr>
+              <a:buSzPct val="75000"/>
+              <a:buFont typeface="Symbol" charset="2"/>
+              <a:buChar char=""/>
+            </a:pPr>
+            <a:r>
+              <a:rPr b="0" lang="zh-CN" sz="2800" spc="-1" strike="noStrike">
+                <a:solidFill>
+                  <a:srgbClr val="000000"/>
+                </a:solidFill>
+                <a:latin typeface="Arial"/>
+              </a:rPr>
+              <a:t>超越传统游戏规则的互动</a:t>
+            </a:r>
+            <a:endParaRPr b="0" lang="en-US" sz="2800" spc="-1" strike="noStrike">
+              <a:solidFill>
+                <a:srgbClr val="000000"/>
+              </a:solidFill>
+              <a:latin typeface="Arial"/>
+            </a:endParaRPr>
+          </a:p>
+          <a:p>
+            <a:pPr lvl="1" marL="864000" indent="-324000">
+              <a:spcBef>
+                <a:spcPts val="1134"/>
+              </a:spcBef>
+              <a:buClr>
+                <a:srgbClr val="000000"/>
+              </a:buClr>
+              <a:buSzPct val="75000"/>
+              <a:buFont typeface="Symbol" charset="2"/>
+              <a:buChar char=""/>
+            </a:pPr>
+            <a:r>
+              <a:rPr b="0" lang="zh-CN" sz="2800" spc="-1" strike="noStrike">
+                <a:solidFill>
+                  <a:srgbClr val="000000"/>
+                </a:solidFill>
+                <a:latin typeface="Arial"/>
+              </a:rPr>
+              <a:t>更深入的探索游戏世界和剧情</a:t>
+            </a:r>
+            <a:endParaRPr b="0" lang="en-US" sz="2800" spc="-1" strike="noStrike">
+              <a:solidFill>
+                <a:srgbClr val="000000"/>
+              </a:solidFill>
+              <a:latin typeface="Arial"/>
+            </a:endParaRPr>
+          </a:p>
+          <a:p>
+            <a:pPr lvl="1" marL="864000" indent="-324000">
+              <a:spcBef>
+                <a:spcPts val="1134"/>
+              </a:spcBef>
+              <a:buClr>
+                <a:srgbClr val="000000"/>
+              </a:buClr>
+              <a:buSzPct val="75000"/>
+              <a:buFont typeface="Symbol" charset="2"/>
+              <a:buChar char=""/>
+            </a:pPr>
+            <a:r>
+              <a:rPr b="0" lang="zh-CN" sz="2800" spc="-1" strike="noStrike">
+                <a:solidFill>
+                  <a:srgbClr val="000000"/>
+                </a:solidFill>
+                <a:latin typeface="Arial"/>
+              </a:rPr>
+              <a:t>引发更多的思考和共鸣</a:t>
             </a:r>
             <a:endParaRPr b="0" lang="en-US" sz="2800" spc="-1" strike="noStrike">
               <a:solidFill>
@@ -1833,7 +2072,7 @@
         <p:spPr>
           <a:xfrm>
             <a:off x="0" y="0"/>
-            <a:ext cx="10080000" cy="5656680"/>
+            <a:ext cx="10454400" cy="5670000"/>
           </a:xfrm>
           <a:prstGeom prst="rect">
             <a:avLst/>
@@ -1968,8 +2207,8 @@
         </p:blipFill>
         <p:spPr>
           <a:xfrm>
-            <a:off x="-2520" y="-4320"/>
-            <a:ext cx="10079640" cy="5669640"/>
+            <a:off x="0" y="0"/>
+            <a:ext cx="10080000" cy="5656680"/>
           </a:xfrm>
           <a:prstGeom prst="rect">
             <a:avLst/>
@@ -2104,8 +2343,8 @@
         </p:blipFill>
         <p:spPr>
           <a:xfrm>
-            <a:off x="0" y="0"/>
-            <a:ext cx="10080000" cy="5853240"/>
+            <a:off x="-2520" y="-4320"/>
+            <a:ext cx="10079640" cy="5669640"/>
           </a:xfrm>
           <a:prstGeom prst="rect">
             <a:avLst/>
@@ -2176,15 +2415,6 @@
             <a:pPr indent="0" algn="ctr">
               <a:buNone/>
             </a:pPr>
-            <a:r>
-              <a:rPr b="0" lang="en-US" sz="4400" spc="-1" strike="noStrike">
-                <a:solidFill>
-                  <a:srgbClr val="000000"/>
-                </a:solidFill>
-                <a:latin typeface="Arial"/>
-              </a:rPr>
-              <a:t>MetaGame</a:t>
-            </a:r>
             <a:endParaRPr b="0" lang="en-US" sz="4400" spc="-1" strike="noStrike">
               <a:solidFill>
                 <a:srgbClr val="000000"/>
@@ -2222,44 +2452,12 @@
             <a:normAutofit/>
           </a:bodyPr>
           <a:p>
-            <a:pPr marL="432000" indent="-324000">
+            <a:pPr indent="0">
               <a:spcBef>
                 <a:spcPts val="1417"/>
               </a:spcBef>
-              <a:buClr>
-                <a:srgbClr val="000000"/>
-              </a:buClr>
-              <a:buSzPct val="45000"/>
-              <a:buFont typeface="Wingdings" charset="2"/>
-              <a:buChar char=""/>
-            </a:pPr>
-            <a:r>
-              <a:rPr b="0" lang="zh-CN" sz="3200" spc="-1" strike="noStrike">
-                <a:solidFill>
-                  <a:srgbClr val="000000"/>
-                </a:solidFill>
-                <a:latin typeface="Arial"/>
-              </a:rPr>
-              <a:t>为什么</a:t>
-            </a:r>
-            <a:r>
-              <a:rPr b="0" lang="en-US" sz="3200" spc="-1" strike="noStrike">
-                <a:solidFill>
-                  <a:srgbClr val="000000"/>
-                </a:solidFill>
-                <a:latin typeface="Arial"/>
-              </a:rPr>
-              <a:t>MetaGame</a:t>
-            </a:r>
-            <a:r>
-              <a:rPr b="0" lang="zh-CN" sz="3200" spc="-1" strike="noStrike">
-                <a:solidFill>
-                  <a:srgbClr val="000000"/>
-                </a:solidFill>
-                <a:latin typeface="Arial"/>
-              </a:rPr>
-              <a:t>会更成功？</a:t>
-            </a:r>
+              <a:buNone/>
+            </a:pPr>
             <a:endParaRPr b="0" lang="en-US" sz="3200" spc="-1" strike="noStrike">
               <a:solidFill>
                 <a:srgbClr val="000000"/>
@@ -2267,92 +2465,31 @@
               <a:latin typeface="Arial"/>
             </a:endParaRPr>
           </a:p>
-          <a:p>
-            <a:pPr lvl="1" marL="864000" indent="-324000">
-              <a:spcBef>
-                <a:spcPts val="1134"/>
-              </a:spcBef>
-              <a:buClr>
-                <a:srgbClr val="000000"/>
-              </a:buClr>
-              <a:buSzPct val="75000"/>
-              <a:buFont typeface="Symbol" charset="2"/>
-              <a:buChar char=""/>
-            </a:pPr>
-            <a:r>
-              <a:rPr b="0" lang="zh-CN" sz="2800" spc="-1" strike="noStrike">
-                <a:solidFill>
-                  <a:srgbClr val="000000"/>
-                </a:solidFill>
-                <a:latin typeface="Arial"/>
-              </a:rPr>
-              <a:t>超越传统游戏规则的互动</a:t>
-            </a:r>
-            <a:endParaRPr b="0" lang="en-US" sz="2800" spc="-1" strike="noStrike">
-              <a:solidFill>
-                <a:srgbClr val="000000"/>
-              </a:solidFill>
-              <a:latin typeface="Arial"/>
-            </a:endParaRPr>
-          </a:p>
-          <a:p>
-            <a:pPr lvl="1" marL="864000" indent="-324000">
-              <a:spcBef>
-                <a:spcPts val="1134"/>
-              </a:spcBef>
-              <a:buClr>
-                <a:srgbClr val="000000"/>
-              </a:buClr>
-              <a:buSzPct val="75000"/>
-              <a:buFont typeface="Symbol" charset="2"/>
-              <a:buChar char=""/>
-            </a:pPr>
-            <a:r>
-              <a:rPr b="0" lang="zh-CN" sz="2800" spc="-1" strike="noStrike">
-                <a:solidFill>
-                  <a:srgbClr val="000000"/>
-                </a:solidFill>
-                <a:latin typeface="Arial"/>
-              </a:rPr>
-              <a:t>更深入的探索游戏世界和剧情</a:t>
-            </a:r>
-            <a:endParaRPr b="0" lang="en-US" sz="2800" spc="-1" strike="noStrike">
-              <a:solidFill>
-                <a:srgbClr val="000000"/>
-              </a:solidFill>
-              <a:latin typeface="Arial"/>
-            </a:endParaRPr>
-          </a:p>
-          <a:p>
-            <a:pPr lvl="1" marL="864000" indent="-324000">
-              <a:spcBef>
-                <a:spcPts val="1134"/>
-              </a:spcBef>
-              <a:buClr>
-                <a:srgbClr val="000000"/>
-              </a:buClr>
-              <a:buSzPct val="75000"/>
-              <a:buFont typeface="Symbol" charset="2"/>
-              <a:buChar char=""/>
-            </a:pPr>
-            <a:r>
-              <a:rPr b="0" lang="zh-CN" sz="2800" spc="-1" strike="noStrike">
-                <a:solidFill>
-                  <a:srgbClr val="000000"/>
-                </a:solidFill>
-                <a:latin typeface="Arial"/>
-              </a:rPr>
-              <a:t>引发更多的思考和共鸣</a:t>
-            </a:r>
-            <a:endParaRPr b="0" lang="en-US" sz="2800" spc="-1" strike="noStrike">
-              <a:solidFill>
-                <a:srgbClr val="000000"/>
-              </a:solidFill>
-              <a:latin typeface="Arial"/>
-            </a:endParaRPr>
-          </a:p>
-        </p:txBody>
-      </p:sp>
+        </p:txBody>
+      </p:sp>
+      <p:pic>
+        <p:nvPicPr>
+          <p:cNvPr id="33" name="" descr=""/>
+          <p:cNvPicPr/>
+          <p:nvPr/>
+        </p:nvPicPr>
+        <p:blipFill>
+          <a:blip r:embed="rId1"/>
+          <a:stretch/>
+        </p:blipFill>
+        <p:spPr>
+          <a:xfrm>
+            <a:off x="0" y="0"/>
+            <a:ext cx="10080000" cy="5853240"/>
+          </a:xfrm>
+          <a:prstGeom prst="rect">
+            <a:avLst/>
+          </a:prstGeom>
+          <a:ln w="0">
+            <a:noFill/>
+          </a:ln>
+        </p:spPr>
+      </p:pic>
     </p:spTree>
   </p:cSld>
   <mc:AlternateContent>

--- a/public/ppt/MetaGame.pptx
+++ b/public/ppt/MetaGame.pptx
@@ -3,18 +3,20 @@
 <p:presentation xmlns:a="http://schemas.openxmlformats.org/drawingml/2006/main" xmlns:p="http://schemas.openxmlformats.org/presentationml/2006/main" xmlns:r="http://schemas.openxmlformats.org/officeDocument/2006/relationships" xmlns:p14="http://schemas.microsoft.com/office/powerpoint/2010/main" xmlns:p15="http://schemas.microsoft.com/office/powerpoint/2012/main" xmlns:mc="http://schemas.openxmlformats.org/markup-compatibility/2006">
   <p:sldMasterIdLst>
     <p:sldMasterId id="2147483648" r:id="rId2"/>
+    <p:sldMasterId id="2147483650" r:id="rId3"/>
   </p:sldMasterIdLst>
   <p:sldIdLst>
-    <p:sldId id="256" r:id="rId3"/>
-    <p:sldId id="257" r:id="rId4"/>
-    <p:sldId id="258" r:id="rId5"/>
-    <p:sldId id="259" r:id="rId6"/>
-    <p:sldId id="260" r:id="rId7"/>
-    <p:sldId id="261" r:id="rId8"/>
-    <p:sldId id="262" r:id="rId9"/>
-    <p:sldId id="263" r:id="rId10"/>
-    <p:sldId id="264" r:id="rId11"/>
-    <p:sldId id="265" r:id="rId12"/>
+    <p:sldId id="256" r:id="rId4"/>
+    <p:sldId id="257" r:id="rId5"/>
+    <p:sldId id="258" r:id="rId6"/>
+    <p:sldId id="259" r:id="rId7"/>
+    <p:sldId id="260" r:id="rId8"/>
+    <p:sldId id="261" r:id="rId9"/>
+    <p:sldId id="262" r:id="rId10"/>
+    <p:sldId id="263" r:id="rId11"/>
+    <p:sldId id="264" r:id="rId12"/>
+    <p:sldId id="265" r:id="rId13"/>
+    <p:sldId id="266" r:id="rId14"/>
   </p:sldIdLst>
   <p:sldSz cx="10080625" cy="5670550"/>
   <p:notesSz cx="7559675" cy="10691813"/>
@@ -51,7 +53,7 @@
         <p:spPr>
           <a:xfrm>
             <a:off x="504000" y="226080"/>
-            <a:ext cx="9071640" cy="946440"/>
+            <a:ext cx="9071280" cy="946080"/>
           </a:xfrm>
           <a:prstGeom prst="rect">
             <a:avLst/>
@@ -91,7 +93,7 @@
         <p:spPr>
           <a:xfrm>
             <a:off x="504000" y="1326600"/>
-            <a:ext cx="9071640" cy="3288240"/>
+            <a:ext cx="9071280" cy="3287880"/>
           </a:xfrm>
           <a:prstGeom prst="rect">
             <a:avLst/>
@@ -128,7 +130,7 @@
             <a:spLocks noGrp="1"/>
           </p:cNvSpPr>
           <p:nvPr>
-            <p:ph type="ftr" idx="2"/>
+            <p:ph type="ftr" idx="1"/>
           </p:nvPr>
         </p:nvSpPr>
         <p:spPr/>
@@ -148,14 +150,14 @@
             <a:spLocks noGrp="1"/>
           </p:cNvSpPr>
           <p:nvPr>
-            <p:ph type="sldNum" idx="3"/>
+            <p:ph type="sldNum" idx="2"/>
           </p:nvPr>
         </p:nvSpPr>
         <p:spPr/>
         <p:txBody>
           <a:bodyPr/>
           <a:p>
-            <a:fld id="{848DD7FE-DDA3-40A2-8FBA-23802F8C33D8}" type="slidenum">
+            <a:fld id="{999DB12B-C48E-4439-91C8-1817626642E7}" type="slidenum">
               <a:t>&lt;#&gt;</a:t>
             </a:fld>
           </a:p>
@@ -168,7 +170,7 @@
             <a:spLocks noGrp="1"/>
           </p:cNvSpPr>
           <p:nvPr>
-            <p:ph type="dt" idx="1"/>
+            <p:ph type="dt" idx="3"/>
           </p:nvPr>
         </p:nvSpPr>
         <p:spPr/>
@@ -189,7 +191,7 @@
 
 <file path=ppt/slideLayouts/slideLayout2.xml><?xml version="1.0" encoding="utf-8"?>
 <p:sldLayout xmlns:a="http://schemas.openxmlformats.org/drawingml/2006/main" xmlns:p="http://schemas.openxmlformats.org/presentationml/2006/main" xmlns:r="http://schemas.openxmlformats.org/officeDocument/2006/relationships" xmlns:p14="http://schemas.microsoft.com/office/powerpoint/2010/main" xmlns:p15="http://schemas.microsoft.com/office/powerpoint/2012/main" xmlns:mc="http://schemas.openxmlformats.org/markup-compatibility/2006" type="title" preserve="1">
-  <p:cSld name="默认">
+  <p:cSld name="默认 1">
     <p:spTree>
       <p:nvGrpSpPr>
         <p:cNvPr id="1" name=""/>
@@ -206,7 +208,7 @@
       </p:grpSpPr>
       <p:sp>
         <p:nvSpPr>
-          <p:cNvPr id="7" name="PlaceHolder 1"/>
+          <p:cNvPr id="12" name="PlaceHolder 1"/>
           <p:cNvSpPr>
             <a:spLocks noGrp="1"/>
           </p:cNvSpPr>
@@ -217,7 +219,7 @@
         <p:spPr>
           <a:xfrm>
             <a:off x="504000" y="226080"/>
-            <a:ext cx="9071640" cy="946440"/>
+            <a:ext cx="9071280" cy="946080"/>
           </a:xfrm>
           <a:prstGeom prst="rect">
             <a:avLst/>
@@ -246,7 +248,7 @@
       </p:sp>
       <p:sp>
         <p:nvSpPr>
-          <p:cNvPr id="8" name="PlaceHolder 2"/>
+          <p:cNvPr id="13" name="PlaceHolder 2"/>
           <p:cNvSpPr>
             <a:spLocks noGrp="1"/>
           </p:cNvSpPr>
@@ -257,7 +259,7 @@
         <p:spPr>
           <a:xfrm>
             <a:off x="504000" y="1326600"/>
-            <a:ext cx="9071640" cy="3288240"/>
+            <a:ext cx="9071280" cy="3287880"/>
           </a:xfrm>
           <a:prstGeom prst="rect">
             <a:avLst/>
@@ -291,7 +293,7 @@
             <a:spLocks noGrp="1"/>
           </p:cNvSpPr>
           <p:nvPr>
-            <p:ph type="ftr" idx="2"/>
+            <p:ph type="ftr" idx="4"/>
           </p:nvPr>
         </p:nvSpPr>
         <p:spPr/>
@@ -311,14 +313,14 @@
             <a:spLocks noGrp="1"/>
           </p:cNvSpPr>
           <p:nvPr>
-            <p:ph type="sldNum" idx="3"/>
+            <p:ph type="sldNum" idx="5"/>
           </p:nvPr>
         </p:nvSpPr>
         <p:spPr/>
         <p:txBody>
           <a:bodyPr/>
           <a:p>
-            <a:fld id="{EF1D8031-E799-49FB-9158-C01B835E91BD}" type="slidenum">
+            <a:fld id="{76E93E81-D643-4D84-988E-8ACB29462D5C}" type="slidenum">
               <a:t>&lt;#&gt;</a:t>
             </a:fld>
           </a:p>
@@ -331,7 +333,7 @@
             <a:spLocks noGrp="1"/>
           </p:cNvSpPr>
           <p:nvPr>
-            <p:ph type="dt" idx="1"/>
+            <p:ph type="dt" idx="6"/>
           </p:nvPr>
         </p:nvSpPr>
         <p:spPr/>
@@ -380,7 +382,7 @@
         <p:spPr>
           <a:xfrm>
             <a:off x="504000" y="226080"/>
-            <a:ext cx="9071640" cy="946440"/>
+            <a:ext cx="9071280" cy="946080"/>
           </a:xfrm>
           <a:prstGeom prst="rect">
             <a:avLst/>
@@ -395,11 +397,11 @@
             <a:noAutofit/>
           </a:bodyPr>
           <a:p>
-            <a:pPr indent="0" algn="ctr">
-              <a:buNone/>
-            </a:pPr>
-            <a:r>
-              <a:rPr b="0" lang="zh-CN" sz="4400" spc="-1" strike="noStrike">
+            <a:pPr indent="0">
+              <a:buNone/>
+            </a:pPr>
+            <a:r>
+              <a:rPr b="0" lang="zh-CN" sz="1800" spc="-1" strike="noStrike">
                 <a:solidFill>
                   <a:srgbClr val="000000"/>
                 </a:solidFill>
@@ -407,7 +409,7 @@
               </a:rPr>
               <a:t>单击以编辑标题文本格式</a:t>
             </a:r>
-            <a:endParaRPr b="0" lang="en-US" sz="4400" spc="-1" strike="noStrike">
+            <a:endParaRPr b="0" lang="en-US" sz="1800" spc="-1" strike="noStrike">
               <a:solidFill>
                 <a:srgbClr val="000000"/>
               </a:solidFill>
@@ -429,7 +431,7 @@
         <p:spPr>
           <a:xfrm>
             <a:off x="504000" y="1326600"/>
-            <a:ext cx="9071640" cy="3288240"/>
+            <a:ext cx="9071280" cy="3287880"/>
           </a:xfrm>
           <a:prstGeom prst="rect">
             <a:avLst/>
@@ -441,7 +443,7 @@
         </p:spPr>
         <p:txBody>
           <a:bodyPr lIns="0" rIns="0" tIns="0" bIns="0" anchor="t">
-            <a:normAutofit fontScale="95303"/>
+            <a:normAutofit/>
           </a:bodyPr>
           <a:p>
             <a:pPr marL="432000" indent="-324000">
@@ -456,7 +458,7 @@
               <a:buChar char=""/>
             </a:pPr>
             <a:r>
-              <a:rPr b="0" lang="zh-CN" sz="3200" spc="-1" strike="noStrike">
+              <a:rPr b="0" lang="zh-CN" sz="1800" spc="-1" strike="noStrike">
                 <a:solidFill>
                   <a:srgbClr val="000000"/>
                 </a:solidFill>
@@ -464,7 +466,7 @@
               </a:rPr>
               <a:t>点击以编辑提纲文本格式</a:t>
             </a:r>
-            <a:endParaRPr b="0" lang="en-US" sz="3200" spc="-1" strike="noStrike">
+            <a:endParaRPr b="0" lang="en-US" sz="1800" spc="-1" strike="noStrike">
               <a:solidFill>
                 <a:srgbClr val="000000"/>
               </a:solidFill>
@@ -484,7 +486,7 @@
               <a:buChar char=""/>
             </a:pPr>
             <a:r>
-              <a:rPr b="0" lang="zh-CN" sz="2800" spc="-1" strike="noStrike">
+              <a:rPr b="0" lang="zh-CN" sz="1800" spc="-1" strike="noStrike">
                 <a:solidFill>
                   <a:srgbClr val="000000"/>
                 </a:solidFill>
@@ -492,7 +494,7 @@
               </a:rPr>
               <a:t>第二提纲级别</a:t>
             </a:r>
-            <a:endParaRPr b="0" lang="en-US" sz="2800" spc="-1" strike="noStrike">
+            <a:endParaRPr b="0" lang="en-US" sz="1800" spc="-1" strike="noStrike">
               <a:solidFill>
                 <a:srgbClr val="000000"/>
               </a:solidFill>
@@ -512,7 +514,7 @@
               <a:buChar char=""/>
             </a:pPr>
             <a:r>
-              <a:rPr b="0" lang="zh-CN" sz="2400" spc="-1" strike="noStrike">
+              <a:rPr b="0" lang="zh-CN" sz="1800" spc="-1" strike="noStrike">
                 <a:solidFill>
                   <a:srgbClr val="000000"/>
                 </a:solidFill>
@@ -520,7 +522,7 @@
               </a:rPr>
               <a:t>第三提纲级别</a:t>
             </a:r>
-            <a:endParaRPr b="0" lang="en-US" sz="2400" spc="-1" strike="noStrike">
+            <a:endParaRPr b="0" lang="en-US" sz="1800" spc="-1" strike="noStrike">
               <a:solidFill>
                 <a:srgbClr val="000000"/>
               </a:solidFill>
@@ -540,7 +542,7 @@
               <a:buChar char=""/>
             </a:pPr>
             <a:r>
-              <a:rPr b="0" lang="zh-CN" sz="2000" spc="-1" strike="noStrike">
+              <a:rPr b="0" lang="zh-CN" sz="1800" spc="-1" strike="noStrike">
                 <a:solidFill>
                   <a:srgbClr val="000000"/>
                 </a:solidFill>
@@ -548,7 +550,7 @@
               </a:rPr>
               <a:t>第四提纲级别</a:t>
             </a:r>
-            <a:endParaRPr b="0" lang="en-US" sz="2000" spc="-1" strike="noStrike">
+            <a:endParaRPr b="0" lang="en-US" sz="1800" spc="-1" strike="noStrike">
               <a:solidFill>
                 <a:srgbClr val="000000"/>
               </a:solidFill>
@@ -568,7 +570,7 @@
               <a:buChar char=""/>
             </a:pPr>
             <a:r>
-              <a:rPr b="0" lang="zh-CN" sz="2000" spc="-1" strike="noStrike">
+              <a:rPr b="0" lang="zh-CN" sz="1800" spc="-1" strike="noStrike">
                 <a:solidFill>
                   <a:srgbClr val="000000"/>
                 </a:solidFill>
@@ -576,7 +578,7 @@
               </a:rPr>
               <a:t>第五提纲级别</a:t>
             </a:r>
-            <a:endParaRPr b="0" lang="en-US" sz="2000" spc="-1" strike="noStrike">
+            <a:endParaRPr b="0" lang="en-US" sz="1800" spc="-1" strike="noStrike">
               <a:solidFill>
                 <a:srgbClr val="000000"/>
               </a:solidFill>
@@ -596,7 +598,7 @@
               <a:buChar char=""/>
             </a:pPr>
             <a:r>
-              <a:rPr b="0" lang="zh-CN" sz="2000" spc="-1" strike="noStrike">
+              <a:rPr b="0" lang="zh-CN" sz="1800" spc="-1" strike="noStrike">
                 <a:solidFill>
                   <a:srgbClr val="000000"/>
                 </a:solidFill>
@@ -604,7 +606,7 @@
               </a:rPr>
               <a:t>第六提纲级别</a:t>
             </a:r>
-            <a:endParaRPr b="0" lang="en-US" sz="2000" spc="-1" strike="noStrike">
+            <a:endParaRPr b="0" lang="en-US" sz="1800" spc="-1" strike="noStrike">
               <a:solidFill>
                 <a:srgbClr val="000000"/>
               </a:solidFill>
@@ -624,7 +626,7 @@
               <a:buChar char=""/>
             </a:pPr>
             <a:r>
-              <a:rPr b="0" lang="zh-CN" sz="2000" spc="-1" strike="noStrike">
+              <a:rPr b="0" lang="zh-CN" sz="1800" spc="-1" strike="noStrike">
                 <a:solidFill>
                   <a:srgbClr val="000000"/>
                 </a:solidFill>
@@ -632,7 +634,7 @@
               </a:rPr>
               <a:t>第七提纲级别</a:t>
             </a:r>
-            <a:endParaRPr b="0" lang="en-US" sz="2000" spc="-1" strike="noStrike">
+            <a:endParaRPr b="0" lang="en-US" sz="1800" spc="-1" strike="noStrike">
               <a:solidFill>
                 <a:srgbClr val="000000"/>
               </a:solidFill>
@@ -648,13 +650,13 @@
             <a:spLocks noGrp="1"/>
           </p:cNvSpPr>
           <p:nvPr>
-            <p:ph type="dt" idx="1"/>
-          </p:nvPr>
-        </p:nvSpPr>
-        <p:spPr>
-          <a:xfrm>
-            <a:off x="504000" y="5165280"/>
-            <a:ext cx="2348280" cy="390600"/>
+            <p:ph type="ftr" idx="1"/>
+          </p:nvPr>
+        </p:nvSpPr>
+        <p:spPr>
+          <a:xfrm>
+            <a:off x="3447360" y="5165280"/>
+            <a:ext cx="3194640" cy="390240"/>
           </a:xfrm>
           <a:prstGeom prst="rect">
             <a:avLst/>
@@ -669,8 +671,14 @@
             <a:noAutofit/>
           </a:bodyPr>
           <a:lstStyle>
-            <a:lvl1pPr indent="0">
-              <a:buNone/>
+            <a:lvl1pPr indent="0" algn="ctr">
+              <a:lnSpc>
+                <a:spcPct val="100000"/>
+              </a:lnSpc>
+              <a:buNone/>
+              <a:tabLst>
+                <a:tab algn="l" pos="0"/>
+              </a:tabLst>
               <a:defRPr b="0" lang="en-US" sz="1400" spc="-1" strike="noStrike">
                 <a:solidFill>
                   <a:srgbClr val="000000"/>
@@ -680,8 +688,14 @@
             </a:lvl1pPr>
           </a:lstStyle>
           <a:p>
-            <a:pPr indent="0">
-              <a:buNone/>
+            <a:pPr indent="0" algn="ctr">
+              <a:lnSpc>
+                <a:spcPct val="100000"/>
+              </a:lnSpc>
+              <a:buNone/>
+              <a:tabLst>
+                <a:tab algn="l" pos="0"/>
+              </a:tabLst>
             </a:pPr>
             <a:r>
               <a:rPr b="0" lang="en-US" sz="1400" spc="-1" strike="noStrike">
@@ -690,7 +704,7 @@
                 </a:solidFill>
                 <a:latin typeface="Times New Roman"/>
               </a:rPr>
-              <a:t>&lt;日期/时间&gt;</a:t>
+              <a:t>&lt;页脚&gt;</a:t>
             </a:r>
             <a:endParaRPr b="0" lang="en-US" sz="1400" spc="-1" strike="noStrike">
               <a:solidFill>
@@ -708,13 +722,13 @@
             <a:spLocks noGrp="1"/>
           </p:cNvSpPr>
           <p:nvPr>
-            <p:ph type="ftr" idx="2"/>
-          </p:nvPr>
-        </p:nvSpPr>
-        <p:spPr>
-          <a:xfrm>
-            <a:off x="3447360" y="5165280"/>
-            <a:ext cx="3195000" cy="390600"/>
+            <p:ph type="sldNum" idx="2"/>
+          </p:nvPr>
+        </p:nvSpPr>
+        <p:spPr>
+          <a:xfrm>
+            <a:off x="7227360" y="5165280"/>
+            <a:ext cx="2347920" cy="390240"/>
           </a:xfrm>
           <a:prstGeom prst="rect">
             <a:avLst/>
@@ -729,8 +743,14 @@
             <a:noAutofit/>
           </a:bodyPr>
           <a:lstStyle>
-            <a:lvl1pPr indent="0" algn="ctr">
-              <a:buNone/>
+            <a:lvl1pPr indent="0" algn="r">
+              <a:lnSpc>
+                <a:spcPct val="100000"/>
+              </a:lnSpc>
+              <a:buNone/>
+              <a:tabLst>
+                <a:tab algn="l" pos="0"/>
+              </a:tabLst>
               <a:defRPr b="0" lang="en-US" sz="1400" spc="-1" strike="noStrike">
                 <a:solidFill>
                   <a:srgbClr val="000000"/>
@@ -740,18 +760,24 @@
             </a:lvl1pPr>
           </a:lstStyle>
           <a:p>
-            <a:pPr indent="0" algn="ctr">
-              <a:buNone/>
-            </a:pPr>
-            <a:r>
+            <a:pPr indent="0" algn="r">
+              <a:lnSpc>
+                <a:spcPct val="100000"/>
+              </a:lnSpc>
+              <a:buNone/>
+              <a:tabLst>
+                <a:tab algn="l" pos="0"/>
+              </a:tabLst>
+            </a:pPr>
+            <a:fld id="{2E38D392-79A2-45E8-81F0-C58E042A965F}" type="slidenum">
               <a:rPr b="0" lang="en-US" sz="1400" spc="-1" strike="noStrike">
                 <a:solidFill>
                   <a:srgbClr val="000000"/>
                 </a:solidFill>
                 <a:latin typeface="Times New Roman"/>
               </a:rPr>
-              <a:t>&lt;页脚&gt;</a:t>
-            </a:r>
+              <a:t>&lt;编号&gt;</a:t>
+            </a:fld>
             <a:endParaRPr b="0" lang="en-US" sz="1400" spc="-1" strike="noStrike">
               <a:solidFill>
                 <a:srgbClr val="000000"/>
@@ -768,13 +794,13 @@
             <a:spLocks noGrp="1"/>
           </p:cNvSpPr>
           <p:nvPr>
-            <p:ph type="sldNum" idx="3"/>
-          </p:nvPr>
-        </p:nvSpPr>
-        <p:spPr>
-          <a:xfrm>
-            <a:off x="7227360" y="5165280"/>
-            <a:ext cx="2348280" cy="390600"/>
+            <p:ph type="dt" idx="3"/>
+          </p:nvPr>
+        </p:nvSpPr>
+        <p:spPr>
+          <a:xfrm>
+            <a:off x="504000" y="5165280"/>
+            <a:ext cx="2347920" cy="390240"/>
           </a:xfrm>
           <a:prstGeom prst="rect">
             <a:avLst/>
@@ -789,7 +815,7 @@
             <a:noAutofit/>
           </a:bodyPr>
           <a:lstStyle>
-            <a:lvl1pPr indent="0" algn="r">
+            <a:lvl1pPr indent="0">
               <a:buNone/>
               <a:defRPr b="0" lang="en-US" sz="1400" spc="-1" strike="noStrike">
                 <a:solidFill>
@@ -800,18 +826,18 @@
             </a:lvl1pPr>
           </a:lstStyle>
           <a:p>
-            <a:pPr indent="0" algn="r">
-              <a:buNone/>
-            </a:pPr>
-            <a:fld id="{D042057F-F4C9-415D-8F4C-F54BABE99D4B}" type="slidenum">
+            <a:pPr indent="0">
+              <a:buNone/>
+            </a:pPr>
+            <a:r>
               <a:rPr b="0" lang="en-US" sz="1400" spc="-1" strike="noStrike">
                 <a:solidFill>
                   <a:srgbClr val="000000"/>
                 </a:solidFill>
                 <a:latin typeface="Times New Roman"/>
               </a:rPr>
-              <a:t>&lt;编号&gt;</a:t>
-            </a:fld>
+              <a:t>&lt;日期/时间&gt;</a:t>
+            </a:r>
             <a:endParaRPr b="0" lang="en-US" sz="1400" spc="-1" strike="noStrike">
               <a:solidFill>
                 <a:srgbClr val="000000"/>
@@ -826,7 +852,510 @@
   <p:clrMap bg1="lt1" bg2="lt2" tx1="dk1" tx2="dk2" accent1="accent1" accent2="accent2" accent3="accent3" accent4="accent4" accent5="accent5" accent6="accent6" hlink="hlink" folHlink="folHlink"/>
   <p:sldLayoutIdLst>
     <p:sldLayoutId id="2147483649" r:id="rId2"/>
-    <p:sldLayoutId id="2147483650" r:id="rId3"/>
+  </p:sldLayoutIdLst>
+</p:sldMaster>
+</file>
+
+<file path=ppt/slideMasters/slideMaster2.xml><?xml version="1.0" encoding="utf-8"?>
+<p:sldMaster xmlns:a="http://schemas.openxmlformats.org/drawingml/2006/main" xmlns:p="http://schemas.openxmlformats.org/presentationml/2006/main" xmlns:r="http://schemas.openxmlformats.org/officeDocument/2006/relationships" xmlns:p14="http://schemas.microsoft.com/office/powerpoint/2010/main" xmlns:p15="http://schemas.microsoft.com/office/powerpoint/2012/main" xmlns:mc="http://schemas.openxmlformats.org/markup-compatibility/2006">
+  <p:cSld>
+    <p:spTree>
+      <p:nvGrpSpPr>
+        <p:cNvPr id="1" name=""/>
+        <p:cNvGrpSpPr/>
+        <p:nvPr/>
+      </p:nvGrpSpPr>
+      <p:grpSpPr>
+        <a:xfrm>
+          <a:off x="0" y="0"/>
+          <a:ext cx="0" cy="0"/>
+          <a:chOff x="0" y="0"/>
+          <a:chExt cx="0" cy="0"/>
+        </a:xfrm>
+      </p:grpSpPr>
+      <p:sp>
+        <p:nvSpPr>
+          <p:cNvPr id="7" name="PlaceHolder 1"/>
+          <p:cNvSpPr>
+            <a:spLocks noGrp="1"/>
+          </p:cNvSpPr>
+          <p:nvPr>
+            <p:ph type="title"/>
+          </p:nvPr>
+        </p:nvSpPr>
+        <p:spPr>
+          <a:xfrm>
+            <a:off x="504000" y="226080"/>
+            <a:ext cx="9071280" cy="946080"/>
+          </a:xfrm>
+          <a:prstGeom prst="rect">
+            <a:avLst/>
+          </a:prstGeom>
+          <a:noFill/>
+          <a:ln w="0">
+            <a:noFill/>
+          </a:ln>
+        </p:spPr>
+        <p:txBody>
+          <a:bodyPr lIns="0" rIns="0" tIns="0" bIns="0" anchor="ctr">
+            <a:noAutofit/>
+          </a:bodyPr>
+          <a:p>
+            <a:pPr indent="0">
+              <a:buNone/>
+            </a:pPr>
+            <a:r>
+              <a:rPr b="0" lang="zh-CN" sz="1800" spc="-1" strike="noStrike">
+                <a:solidFill>
+                  <a:srgbClr val="000000"/>
+                </a:solidFill>
+                <a:latin typeface="Arial"/>
+              </a:rPr>
+              <a:t>单击以编辑标题文本格式</a:t>
+            </a:r>
+            <a:endParaRPr b="0" lang="en-US" sz="1800" spc="-1" strike="noStrike">
+              <a:solidFill>
+                <a:srgbClr val="000000"/>
+              </a:solidFill>
+              <a:latin typeface="Arial"/>
+            </a:endParaRPr>
+          </a:p>
+        </p:txBody>
+      </p:sp>
+      <p:sp>
+        <p:nvSpPr>
+          <p:cNvPr id="8" name="PlaceHolder 2"/>
+          <p:cNvSpPr>
+            <a:spLocks noGrp="1"/>
+          </p:cNvSpPr>
+          <p:nvPr>
+            <p:ph type="ftr" idx="4"/>
+          </p:nvPr>
+        </p:nvSpPr>
+        <p:spPr>
+          <a:xfrm>
+            <a:off x="3447360" y="5165280"/>
+            <a:ext cx="3194640" cy="390240"/>
+          </a:xfrm>
+          <a:prstGeom prst="rect">
+            <a:avLst/>
+          </a:prstGeom>
+          <a:noFill/>
+          <a:ln w="0">
+            <a:noFill/>
+          </a:ln>
+        </p:spPr>
+        <p:txBody>
+          <a:bodyPr lIns="0" rIns="0" tIns="0" bIns="0" anchor="t">
+            <a:noAutofit/>
+          </a:bodyPr>
+          <a:lstStyle>
+            <a:lvl1pPr indent="0" algn="ctr">
+              <a:lnSpc>
+                <a:spcPct val="100000"/>
+              </a:lnSpc>
+              <a:buNone/>
+              <a:tabLst>
+                <a:tab algn="l" pos="0"/>
+              </a:tabLst>
+              <a:defRPr b="0" lang="en-US" sz="1400" spc="-1" strike="noStrike">
+                <a:solidFill>
+                  <a:srgbClr val="000000"/>
+                </a:solidFill>
+                <a:latin typeface="Times New Roman"/>
+              </a:defRPr>
+            </a:lvl1pPr>
+          </a:lstStyle>
+          <a:p>
+            <a:pPr indent="0" algn="ctr">
+              <a:lnSpc>
+                <a:spcPct val="100000"/>
+              </a:lnSpc>
+              <a:buNone/>
+              <a:tabLst>
+                <a:tab algn="l" pos="0"/>
+              </a:tabLst>
+            </a:pPr>
+            <a:r>
+              <a:rPr b="0" lang="en-US" sz="1400" spc="-1" strike="noStrike">
+                <a:solidFill>
+                  <a:srgbClr val="000000"/>
+                </a:solidFill>
+                <a:latin typeface="Times New Roman"/>
+              </a:rPr>
+              <a:t>&lt;页脚&gt;</a:t>
+            </a:r>
+            <a:endParaRPr b="0" lang="en-US" sz="1400" spc="-1" strike="noStrike">
+              <a:solidFill>
+                <a:srgbClr val="000000"/>
+              </a:solidFill>
+              <a:latin typeface="Times New Roman"/>
+            </a:endParaRPr>
+          </a:p>
+        </p:txBody>
+      </p:sp>
+      <p:sp>
+        <p:nvSpPr>
+          <p:cNvPr id="9" name="PlaceHolder 3"/>
+          <p:cNvSpPr>
+            <a:spLocks noGrp="1"/>
+          </p:cNvSpPr>
+          <p:nvPr>
+            <p:ph type="sldNum" idx="5"/>
+          </p:nvPr>
+        </p:nvSpPr>
+        <p:spPr>
+          <a:xfrm>
+            <a:off x="7227360" y="5165280"/>
+            <a:ext cx="2347920" cy="390240"/>
+          </a:xfrm>
+          <a:prstGeom prst="rect">
+            <a:avLst/>
+          </a:prstGeom>
+          <a:noFill/>
+          <a:ln w="0">
+            <a:noFill/>
+          </a:ln>
+        </p:spPr>
+        <p:txBody>
+          <a:bodyPr lIns="0" rIns="0" tIns="0" bIns="0" anchor="t">
+            <a:noAutofit/>
+          </a:bodyPr>
+          <a:lstStyle>
+            <a:lvl1pPr indent="0" algn="r">
+              <a:lnSpc>
+                <a:spcPct val="100000"/>
+              </a:lnSpc>
+              <a:buNone/>
+              <a:tabLst>
+                <a:tab algn="l" pos="0"/>
+              </a:tabLst>
+              <a:defRPr b="0" lang="en-US" sz="1400" spc="-1" strike="noStrike">
+                <a:solidFill>
+                  <a:srgbClr val="000000"/>
+                </a:solidFill>
+                <a:latin typeface="Times New Roman"/>
+              </a:defRPr>
+            </a:lvl1pPr>
+          </a:lstStyle>
+          <a:p>
+            <a:pPr indent="0" algn="r">
+              <a:lnSpc>
+                <a:spcPct val="100000"/>
+              </a:lnSpc>
+              <a:buNone/>
+              <a:tabLst>
+                <a:tab algn="l" pos="0"/>
+              </a:tabLst>
+            </a:pPr>
+            <a:fld id="{159A7009-89B5-4401-B6B2-226D0A2B92B5}" type="slidenum">
+              <a:rPr b="0" lang="en-US" sz="1400" spc="-1" strike="noStrike">
+                <a:solidFill>
+                  <a:srgbClr val="000000"/>
+                </a:solidFill>
+                <a:latin typeface="Times New Roman"/>
+              </a:rPr>
+              <a:t>&lt;编号&gt;</a:t>
+            </a:fld>
+            <a:endParaRPr b="0" lang="en-US" sz="1400" spc="-1" strike="noStrike">
+              <a:solidFill>
+                <a:srgbClr val="000000"/>
+              </a:solidFill>
+              <a:latin typeface="Times New Roman"/>
+            </a:endParaRPr>
+          </a:p>
+        </p:txBody>
+      </p:sp>
+      <p:sp>
+        <p:nvSpPr>
+          <p:cNvPr id="10" name="PlaceHolder 4"/>
+          <p:cNvSpPr>
+            <a:spLocks noGrp="1"/>
+          </p:cNvSpPr>
+          <p:nvPr>
+            <p:ph type="dt" idx="6"/>
+          </p:nvPr>
+        </p:nvSpPr>
+        <p:spPr>
+          <a:xfrm>
+            <a:off x="504000" y="5165280"/>
+            <a:ext cx="2347920" cy="390240"/>
+          </a:xfrm>
+          <a:prstGeom prst="rect">
+            <a:avLst/>
+          </a:prstGeom>
+          <a:noFill/>
+          <a:ln w="0">
+            <a:noFill/>
+          </a:ln>
+        </p:spPr>
+        <p:txBody>
+          <a:bodyPr lIns="0" rIns="0" tIns="0" bIns="0" anchor="t">
+            <a:noAutofit/>
+          </a:bodyPr>
+          <a:lstStyle>
+            <a:lvl1pPr indent="0">
+              <a:buNone/>
+              <a:defRPr b="0" lang="en-US" sz="1400" spc="-1" strike="noStrike">
+                <a:solidFill>
+                  <a:srgbClr val="000000"/>
+                </a:solidFill>
+                <a:latin typeface="Times New Roman"/>
+              </a:defRPr>
+            </a:lvl1pPr>
+          </a:lstStyle>
+          <a:p>
+            <a:pPr indent="0">
+              <a:buNone/>
+            </a:pPr>
+            <a:r>
+              <a:rPr b="0" lang="en-US" sz="1400" spc="-1" strike="noStrike">
+                <a:solidFill>
+                  <a:srgbClr val="000000"/>
+                </a:solidFill>
+                <a:latin typeface="Times New Roman"/>
+              </a:rPr>
+              <a:t>&lt;日期/时间&gt;</a:t>
+            </a:r>
+            <a:endParaRPr b="0" lang="en-US" sz="1400" spc="-1" strike="noStrike">
+              <a:solidFill>
+                <a:srgbClr val="000000"/>
+              </a:solidFill>
+              <a:latin typeface="Times New Roman"/>
+            </a:endParaRPr>
+          </a:p>
+        </p:txBody>
+      </p:sp>
+      <p:sp>
+        <p:nvSpPr>
+          <p:cNvPr id="11" name="PlaceHolder 5"/>
+          <p:cNvSpPr>
+            <a:spLocks noGrp="1"/>
+          </p:cNvSpPr>
+          <p:nvPr>
+            <p:ph type="body"/>
+          </p:nvPr>
+        </p:nvSpPr>
+        <p:spPr>
+          <a:xfrm>
+            <a:off x="504000" y="1326600"/>
+            <a:ext cx="9072000" cy="3288600"/>
+          </a:xfrm>
+          <a:prstGeom prst="rect">
+            <a:avLst/>
+          </a:prstGeom>
+          <a:noFill/>
+          <a:ln w="0">
+            <a:noFill/>
+          </a:ln>
+        </p:spPr>
+        <p:txBody>
+          <a:bodyPr lIns="0" rIns="0" tIns="0" bIns="0" anchor="t">
+            <a:normAutofit fontScale="95303"/>
+          </a:bodyPr>
+          <a:p>
+            <a:pPr marL="432000" indent="-324000">
+              <a:spcBef>
+                <a:spcPts val="1417"/>
+              </a:spcBef>
+              <a:buClr>
+                <a:srgbClr val="000000"/>
+              </a:buClr>
+              <a:buSzPct val="45000"/>
+              <a:buFont typeface="Wingdings" charset="2"/>
+              <a:buChar char=""/>
+            </a:pPr>
+            <a:r>
+              <a:rPr b="0" lang="zh-CN" sz="3200" spc="-1" strike="noStrike">
+                <a:solidFill>
+                  <a:srgbClr val="000000"/>
+                </a:solidFill>
+                <a:latin typeface="Arial"/>
+              </a:rPr>
+              <a:t>点击以编辑提纲文本格式</a:t>
+            </a:r>
+            <a:endParaRPr b="0" lang="en-US" sz="3200" spc="-1" strike="noStrike">
+              <a:solidFill>
+                <a:srgbClr val="000000"/>
+              </a:solidFill>
+              <a:latin typeface="Arial"/>
+            </a:endParaRPr>
+          </a:p>
+          <a:p>
+            <a:pPr lvl="1" marL="864000" indent="-324000">
+              <a:spcBef>
+                <a:spcPts val="1134"/>
+              </a:spcBef>
+              <a:buClr>
+                <a:srgbClr val="000000"/>
+              </a:buClr>
+              <a:buSzPct val="75000"/>
+              <a:buFont typeface="Symbol" charset="2"/>
+              <a:buChar char=""/>
+            </a:pPr>
+            <a:r>
+              <a:rPr b="0" lang="zh-CN" sz="2800" spc="-1" strike="noStrike">
+                <a:solidFill>
+                  <a:srgbClr val="000000"/>
+                </a:solidFill>
+                <a:latin typeface="Arial"/>
+              </a:rPr>
+              <a:t>第二提纲级别</a:t>
+            </a:r>
+            <a:endParaRPr b="0" lang="en-US" sz="2800" spc="-1" strike="noStrike">
+              <a:solidFill>
+                <a:srgbClr val="000000"/>
+              </a:solidFill>
+              <a:latin typeface="Arial"/>
+            </a:endParaRPr>
+          </a:p>
+          <a:p>
+            <a:pPr lvl="2" marL="1296000" indent="-288000">
+              <a:spcBef>
+                <a:spcPts val="850"/>
+              </a:spcBef>
+              <a:buClr>
+                <a:srgbClr val="000000"/>
+              </a:buClr>
+              <a:buSzPct val="45000"/>
+              <a:buFont typeface="Wingdings" charset="2"/>
+              <a:buChar char=""/>
+            </a:pPr>
+            <a:r>
+              <a:rPr b="0" lang="zh-CN" sz="2400" spc="-1" strike="noStrike">
+                <a:solidFill>
+                  <a:srgbClr val="000000"/>
+                </a:solidFill>
+                <a:latin typeface="Arial"/>
+              </a:rPr>
+              <a:t>第三提纲级别</a:t>
+            </a:r>
+            <a:endParaRPr b="0" lang="en-US" sz="2400" spc="-1" strike="noStrike">
+              <a:solidFill>
+                <a:srgbClr val="000000"/>
+              </a:solidFill>
+              <a:latin typeface="Arial"/>
+            </a:endParaRPr>
+          </a:p>
+          <a:p>
+            <a:pPr lvl="3" marL="1728000" indent="-216000">
+              <a:spcBef>
+                <a:spcPts val="567"/>
+              </a:spcBef>
+              <a:buClr>
+                <a:srgbClr val="000000"/>
+              </a:buClr>
+              <a:buSzPct val="75000"/>
+              <a:buFont typeface="Symbol" charset="2"/>
+              <a:buChar char=""/>
+            </a:pPr>
+            <a:r>
+              <a:rPr b="0" lang="zh-CN" sz="2000" spc="-1" strike="noStrike">
+                <a:solidFill>
+                  <a:srgbClr val="000000"/>
+                </a:solidFill>
+                <a:latin typeface="Arial"/>
+              </a:rPr>
+              <a:t>第四提纲级别</a:t>
+            </a:r>
+            <a:endParaRPr b="0" lang="en-US" sz="2000" spc="-1" strike="noStrike">
+              <a:solidFill>
+                <a:srgbClr val="000000"/>
+              </a:solidFill>
+              <a:latin typeface="Arial"/>
+            </a:endParaRPr>
+          </a:p>
+          <a:p>
+            <a:pPr lvl="4" marL="2160000" indent="-216000">
+              <a:spcBef>
+                <a:spcPts val="283"/>
+              </a:spcBef>
+              <a:buClr>
+                <a:srgbClr val="000000"/>
+              </a:buClr>
+              <a:buSzPct val="45000"/>
+              <a:buFont typeface="Wingdings" charset="2"/>
+              <a:buChar char=""/>
+            </a:pPr>
+            <a:r>
+              <a:rPr b="0" lang="zh-CN" sz="2000" spc="-1" strike="noStrike">
+                <a:solidFill>
+                  <a:srgbClr val="000000"/>
+                </a:solidFill>
+                <a:latin typeface="Arial"/>
+              </a:rPr>
+              <a:t>第五提纲级别</a:t>
+            </a:r>
+            <a:endParaRPr b="0" lang="en-US" sz="2000" spc="-1" strike="noStrike">
+              <a:solidFill>
+                <a:srgbClr val="000000"/>
+              </a:solidFill>
+              <a:latin typeface="Arial"/>
+            </a:endParaRPr>
+          </a:p>
+          <a:p>
+            <a:pPr lvl="5" marL="2592000" indent="-216000">
+              <a:spcBef>
+                <a:spcPts val="283"/>
+              </a:spcBef>
+              <a:buClr>
+                <a:srgbClr val="000000"/>
+              </a:buClr>
+              <a:buSzPct val="45000"/>
+              <a:buFont typeface="Wingdings" charset="2"/>
+              <a:buChar char=""/>
+            </a:pPr>
+            <a:r>
+              <a:rPr b="0" lang="zh-CN" sz="2000" spc="-1" strike="noStrike">
+                <a:solidFill>
+                  <a:srgbClr val="000000"/>
+                </a:solidFill>
+                <a:latin typeface="Arial"/>
+              </a:rPr>
+              <a:t>第六提纲级别</a:t>
+            </a:r>
+            <a:endParaRPr b="0" lang="en-US" sz="2000" spc="-1" strike="noStrike">
+              <a:solidFill>
+                <a:srgbClr val="000000"/>
+              </a:solidFill>
+              <a:latin typeface="Arial"/>
+            </a:endParaRPr>
+          </a:p>
+          <a:p>
+            <a:pPr lvl="6" marL="3024000" indent="-216000">
+              <a:spcBef>
+                <a:spcPts val="283"/>
+              </a:spcBef>
+              <a:buClr>
+                <a:srgbClr val="000000"/>
+              </a:buClr>
+              <a:buSzPct val="45000"/>
+              <a:buFont typeface="Wingdings" charset="2"/>
+              <a:buChar char=""/>
+            </a:pPr>
+            <a:r>
+              <a:rPr b="0" lang="zh-CN" sz="2000" spc="-1" strike="noStrike">
+                <a:solidFill>
+                  <a:srgbClr val="000000"/>
+                </a:solidFill>
+                <a:latin typeface="Arial"/>
+              </a:rPr>
+              <a:t>第七提纲级别</a:t>
+            </a:r>
+            <a:endParaRPr b="0" lang="en-US" sz="2000" spc="-1" strike="noStrike">
+              <a:solidFill>
+                <a:srgbClr val="000000"/>
+              </a:solidFill>
+              <a:latin typeface="Arial"/>
+            </a:endParaRPr>
+          </a:p>
+        </p:txBody>
+      </p:sp>
+    </p:spTree>
+  </p:cSld>
+  <p:clrMap bg1="lt1" bg2="lt2" tx1="dk1" tx2="dk2" accent1="accent1" accent2="accent2" accent3="accent3" accent4="accent4" accent5="accent5" accent6="accent6" hlink="hlink" folHlink="folHlink"/>
+  <p:sldLayoutIdLst>
+    <p:sldLayoutId id="2147483651" r:id="rId2"/>
   </p:sldLayoutIdLst>
 </p:sldMaster>
 </file>
@@ -850,7 +1379,7 @@
       </p:grpSpPr>
       <p:sp>
         <p:nvSpPr>
-          <p:cNvPr id="9" name="PlaceHolder 1"/>
+          <p:cNvPr id="14" name="PlaceHolder 1"/>
           <p:cNvSpPr>
             <a:spLocks noGrp="1"/>
           </p:cNvSpPr>
@@ -861,7 +1390,7 @@
         <p:spPr>
           <a:xfrm>
             <a:off x="504000" y="226080"/>
-            <a:ext cx="9071640" cy="946440"/>
+            <a:ext cx="9071280" cy="946080"/>
           </a:xfrm>
           <a:prstGeom prst="rect">
             <a:avLst/>
@@ -877,7 +1406,13 @@
           </a:bodyPr>
           <a:p>
             <a:pPr indent="0" algn="ctr">
-              <a:buNone/>
+              <a:lnSpc>
+                <a:spcPct val="100000"/>
+              </a:lnSpc>
+              <a:buNone/>
+              <a:tabLst>
+                <a:tab algn="l" pos="0"/>
+              </a:tabLst>
             </a:pPr>
             <a:r>
               <a:rPr b="0" lang="en-US" sz="4400" spc="-1" strike="noStrike">
@@ -899,7 +1434,7 @@
       </p:sp>
       <p:sp>
         <p:nvSpPr>
-          <p:cNvPr id="10" name="PlaceHolder 2"/>
+          <p:cNvPr id="15" name="PlaceHolder 2"/>
           <p:cNvSpPr>
             <a:spLocks noGrp="1"/>
           </p:cNvSpPr>
@@ -910,7 +1445,7 @@
         <p:spPr>
           <a:xfrm>
             <a:off x="504000" y="1326600"/>
-            <a:ext cx="9071640" cy="3288240"/>
+            <a:ext cx="9071280" cy="3287880"/>
           </a:xfrm>
           <a:prstGeom prst="rect">
             <a:avLst/>
@@ -926,6 +1461,9 @@
           </a:bodyPr>
           <a:p>
             <a:pPr marL="432000" indent="-324000">
+              <a:lnSpc>
+                <a:spcPct val="100000"/>
+              </a:lnSpc>
               <a:spcBef>
                 <a:spcPts val="1417"/>
               </a:spcBef>
@@ -972,6 +1510,9 @@
           </a:p>
           <a:p>
             <a:pPr lvl="1" marL="864000" indent="-324000">
+              <a:lnSpc>
+                <a:spcPct val="100000"/>
+              </a:lnSpc>
               <a:spcBef>
                 <a:spcPts val="1134"/>
               </a:spcBef>
@@ -1009,6 +1550,9 @@
           </a:p>
           <a:p>
             <a:pPr lvl="1" marL="864000" indent="-324000">
+              <a:lnSpc>
+                <a:spcPct val="100000"/>
+              </a:lnSpc>
               <a:spcBef>
                 <a:spcPts val="1134"/>
               </a:spcBef>
@@ -1078,7 +1622,7 @@
       </p:grpSpPr>
       <p:sp>
         <p:nvSpPr>
-          <p:cNvPr id="34" name="PlaceHolder 1"/>
+          <p:cNvPr id="40" name="PlaceHolder 1"/>
           <p:cNvSpPr>
             <a:spLocks noGrp="1"/>
           </p:cNvSpPr>
@@ -1089,7 +1633,7 @@
         <p:spPr>
           <a:xfrm>
             <a:off x="504000" y="226080"/>
-            <a:ext cx="9071640" cy="946440"/>
+            <a:ext cx="9071280" cy="946080"/>
           </a:xfrm>
           <a:prstGeom prst="rect">
             <a:avLst/>
@@ -1107,27 +1651,18 @@
             <a:pPr indent="0" algn="ctr">
               <a:buNone/>
             </a:pPr>
-            <a:r>
-              <a:rPr b="0" lang="en-US" sz="4400" spc="-1" strike="noStrike">
-                <a:solidFill>
-                  <a:srgbClr val="000000"/>
-                </a:solidFill>
-                <a:latin typeface="Arial"/>
-              </a:rPr>
-              <a:t>MetaGame</a:t>
-            </a:r>
-            <a:endParaRPr b="0" lang="en-US" sz="4400" spc="-1" strike="noStrike">
-              <a:solidFill>
-                <a:srgbClr val="000000"/>
-              </a:solidFill>
-              <a:latin typeface="Arial"/>
-            </a:endParaRPr>
-          </a:p>
-        </p:txBody>
-      </p:sp>
-      <p:sp>
-        <p:nvSpPr>
-          <p:cNvPr id="35" name="PlaceHolder 2"/>
+            <a:endParaRPr b="0" lang="en-US" sz="1800" spc="-1" strike="noStrike">
+              <a:solidFill>
+                <a:srgbClr val="000000"/>
+              </a:solidFill>
+              <a:latin typeface="Arial"/>
+            </a:endParaRPr>
+          </a:p>
+        </p:txBody>
+      </p:sp>
+      <p:sp>
+        <p:nvSpPr>
+          <p:cNvPr id="41" name="PlaceHolder 2"/>
           <p:cNvSpPr>
             <a:spLocks noGrp="1"/>
           </p:cNvSpPr>
@@ -1138,7 +1673,7 @@
         <p:spPr>
           <a:xfrm>
             <a:off x="504000" y="1326600"/>
-            <a:ext cx="9071640" cy="3288240"/>
+            <a:ext cx="9071280" cy="3287880"/>
           </a:xfrm>
           <a:prstGeom prst="rect">
             <a:avLst/>
@@ -1153,7 +1688,161 @@
             <a:normAutofit/>
           </a:bodyPr>
           <a:p>
+            <a:pPr indent="0">
+              <a:spcBef>
+                <a:spcPts val="1417"/>
+              </a:spcBef>
+              <a:buNone/>
+            </a:pPr>
+            <a:endParaRPr b="0" lang="en-US" sz="1800" spc="-1" strike="noStrike">
+              <a:solidFill>
+                <a:srgbClr val="000000"/>
+              </a:solidFill>
+              <a:latin typeface="Arial"/>
+            </a:endParaRPr>
+          </a:p>
+        </p:txBody>
+      </p:sp>
+      <p:pic>
+        <p:nvPicPr>
+          <p:cNvPr id="42" name="" descr=""/>
+          <p:cNvPicPr/>
+          <p:nvPr/>
+        </p:nvPicPr>
+        <p:blipFill>
+          <a:blip r:embed="rId1"/>
+          <a:stretch/>
+        </p:blipFill>
+        <p:spPr>
+          <a:xfrm>
+            <a:off x="0" y="0"/>
+            <a:ext cx="10079640" cy="5852880"/>
+          </a:xfrm>
+          <a:prstGeom prst="rect">
+            <a:avLst/>
+          </a:prstGeom>
+          <a:ln w="0">
+            <a:noFill/>
+          </a:ln>
+        </p:spPr>
+      </p:pic>
+    </p:spTree>
+  </p:cSld>
+  <mc:AlternateContent>
+    <mc:Choice Requires="p14">
+      <p:transition spd="slow" p14:dur="2000"/>
+    </mc:Choice>
+    <mc:Fallback>
+      <p:transition spd="slow"/>
+    </mc:Fallback>
+  </mc:AlternateContent>
+</p:sld>
+</file>
+
+<file path=ppt/slides/slide11.xml><?xml version="1.0" encoding="utf-8"?>
+<p:sld xmlns:a="http://schemas.openxmlformats.org/drawingml/2006/main" xmlns:p="http://schemas.openxmlformats.org/presentationml/2006/main" xmlns:r="http://schemas.openxmlformats.org/officeDocument/2006/relationships" xmlns:p14="http://schemas.microsoft.com/office/powerpoint/2010/main" xmlns:p15="http://schemas.microsoft.com/office/powerpoint/2012/main" xmlns:mc="http://schemas.openxmlformats.org/markup-compatibility/2006">
+  <p:cSld>
+    <p:spTree>
+      <p:nvGrpSpPr>
+        <p:cNvPr id="1" name=""/>
+        <p:cNvGrpSpPr/>
+        <p:nvPr/>
+      </p:nvGrpSpPr>
+      <p:grpSpPr>
+        <a:xfrm>
+          <a:off x="0" y="0"/>
+          <a:ext cx="0" cy="0"/>
+          <a:chOff x="0" y="0"/>
+          <a:chExt cx="0" cy="0"/>
+        </a:xfrm>
+      </p:grpSpPr>
+      <p:sp>
+        <p:nvSpPr>
+          <p:cNvPr id="43" name="PlaceHolder 1"/>
+          <p:cNvSpPr>
+            <a:spLocks noGrp="1"/>
+          </p:cNvSpPr>
+          <p:nvPr>
+            <p:ph type="title"/>
+          </p:nvPr>
+        </p:nvSpPr>
+        <p:spPr>
+          <a:xfrm>
+            <a:off x="504000" y="226080"/>
+            <a:ext cx="9071280" cy="946080"/>
+          </a:xfrm>
+          <a:prstGeom prst="rect">
+            <a:avLst/>
+          </a:prstGeom>
+          <a:noFill/>
+          <a:ln w="0">
+            <a:noFill/>
+          </a:ln>
+        </p:spPr>
+        <p:txBody>
+          <a:bodyPr lIns="0" rIns="0" tIns="0" bIns="0" anchor="ctr">
+            <a:noAutofit/>
+          </a:bodyPr>
+          <a:p>
+            <a:pPr indent="0" algn="ctr">
+              <a:lnSpc>
+                <a:spcPct val="100000"/>
+              </a:lnSpc>
+              <a:buNone/>
+              <a:tabLst>
+                <a:tab algn="l" pos="0"/>
+              </a:tabLst>
+            </a:pPr>
+            <a:r>
+              <a:rPr b="0" lang="en-US" sz="4400" spc="-1" strike="noStrike">
+                <a:solidFill>
+                  <a:srgbClr val="000000"/>
+                </a:solidFill>
+                <a:latin typeface="Arial"/>
+              </a:rPr>
+              <a:t>MetaGame</a:t>
+            </a:r>
+            <a:endParaRPr b="0" lang="en-US" sz="4400" spc="-1" strike="noStrike">
+              <a:solidFill>
+                <a:srgbClr val="000000"/>
+              </a:solidFill>
+              <a:latin typeface="Arial"/>
+            </a:endParaRPr>
+          </a:p>
+        </p:txBody>
+      </p:sp>
+      <p:sp>
+        <p:nvSpPr>
+          <p:cNvPr id="44" name="PlaceHolder 2"/>
+          <p:cNvSpPr>
+            <a:spLocks noGrp="1"/>
+          </p:cNvSpPr>
+          <p:nvPr>
+            <p:ph/>
+          </p:nvPr>
+        </p:nvSpPr>
+        <p:spPr>
+          <a:xfrm>
+            <a:off x="504000" y="1326600"/>
+            <a:ext cx="9071280" cy="3287880"/>
+          </a:xfrm>
+          <a:prstGeom prst="rect">
+            <a:avLst/>
+          </a:prstGeom>
+          <a:noFill/>
+          <a:ln w="0">
+            <a:noFill/>
+          </a:ln>
+        </p:spPr>
+        <p:txBody>
+          <a:bodyPr lIns="0" rIns="0" tIns="0" bIns="0" anchor="t">
+            <a:normAutofit/>
+          </a:bodyPr>
+          <a:p>
             <a:pPr marL="432000" indent="-324000">
+              <a:lnSpc>
+                <a:spcPct val="100000"/>
+              </a:lnSpc>
               <a:spcBef>
                 <a:spcPts val="1417"/>
               </a:spcBef>
@@ -1200,6 +1889,9 @@
           </a:p>
           <a:p>
             <a:pPr lvl="1" marL="864000" indent="-324000">
+              <a:lnSpc>
+                <a:spcPct val="100000"/>
+              </a:lnSpc>
               <a:spcBef>
                 <a:spcPts val="1134"/>
               </a:spcBef>
@@ -1228,6 +1920,9 @@
           </a:p>
           <a:p>
             <a:pPr lvl="1" marL="864000" indent="-324000">
+              <a:lnSpc>
+                <a:spcPct val="100000"/>
+              </a:lnSpc>
               <a:spcBef>
                 <a:spcPts val="1134"/>
               </a:spcBef>
@@ -1256,6 +1951,9 @@
           </a:p>
           <a:p>
             <a:pPr lvl="1" marL="864000" indent="-324000">
+              <a:lnSpc>
+                <a:spcPct val="100000"/>
+              </a:lnSpc>
               <a:spcBef>
                 <a:spcPts val="1134"/>
               </a:spcBef>
@@ -1316,7 +2014,7 @@
       </p:grpSpPr>
       <p:sp>
         <p:nvSpPr>
-          <p:cNvPr id="11" name="PlaceHolder 1"/>
+          <p:cNvPr id="16" name="PlaceHolder 1"/>
           <p:cNvSpPr>
             <a:spLocks noGrp="1"/>
           </p:cNvSpPr>
@@ -1327,7 +2025,7 @@
         <p:spPr>
           <a:xfrm>
             <a:off x="504000" y="226080"/>
-            <a:ext cx="9071640" cy="946440"/>
+            <a:ext cx="9071280" cy="946080"/>
           </a:xfrm>
           <a:prstGeom prst="rect">
             <a:avLst/>
@@ -1343,7 +2041,13 @@
           </a:bodyPr>
           <a:p>
             <a:pPr indent="0" algn="ctr">
-              <a:buNone/>
+              <a:lnSpc>
+                <a:spcPct val="100000"/>
+              </a:lnSpc>
+              <a:buNone/>
+              <a:tabLst>
+                <a:tab algn="l" pos="0"/>
+              </a:tabLst>
             </a:pPr>
             <a:r>
               <a:rPr b="0" lang="en-US" sz="4400" spc="-1" strike="noStrike">
@@ -1365,7 +2069,7 @@
       </p:sp>
       <p:sp>
         <p:nvSpPr>
-          <p:cNvPr id="12" name="PlaceHolder 2"/>
+          <p:cNvPr id="17" name="PlaceHolder 2"/>
           <p:cNvSpPr>
             <a:spLocks noGrp="1"/>
           </p:cNvSpPr>
@@ -1376,7 +2080,7 @@
         <p:spPr>
           <a:xfrm>
             <a:off x="504000" y="1326600"/>
-            <a:ext cx="9071640" cy="3288240"/>
+            <a:ext cx="9071280" cy="3287880"/>
           </a:xfrm>
           <a:prstGeom prst="rect">
             <a:avLst/>
@@ -1392,6 +2096,9 @@
           </a:bodyPr>
           <a:p>
             <a:pPr marL="432000" indent="-324000">
+              <a:lnSpc>
+                <a:spcPct val="100000"/>
+              </a:lnSpc>
               <a:spcBef>
                 <a:spcPts val="1417"/>
               </a:spcBef>
@@ -1420,6 +2127,9 @@
           </a:p>
           <a:p>
             <a:pPr lvl="1" marL="864000" indent="-324000">
+              <a:lnSpc>
+                <a:spcPct val="100000"/>
+              </a:lnSpc>
               <a:spcBef>
                 <a:spcPts val="1134"/>
               </a:spcBef>
@@ -1448,6 +2158,9 @@
           </a:p>
           <a:p>
             <a:pPr lvl="2" marL="1296000" indent="-288000">
+              <a:lnSpc>
+                <a:spcPct val="100000"/>
+              </a:lnSpc>
               <a:spcBef>
                 <a:spcPts val="850"/>
               </a:spcBef>
@@ -1485,6 +2198,9 @@
           </a:p>
           <a:p>
             <a:pPr lvl="1" marL="864000" indent="-324000">
+              <a:lnSpc>
+                <a:spcPct val="100000"/>
+              </a:lnSpc>
               <a:spcBef>
                 <a:spcPts val="1134"/>
               </a:spcBef>
@@ -1513,6 +2229,9 @@
           </a:p>
           <a:p>
             <a:pPr lvl="1" marL="864000" indent="-324000">
+              <a:lnSpc>
+                <a:spcPct val="100000"/>
+              </a:lnSpc>
               <a:spcBef>
                 <a:spcPts val="1134"/>
               </a:spcBef>
@@ -1573,7 +2292,7 @@
       </p:grpSpPr>
       <p:sp>
         <p:nvSpPr>
-          <p:cNvPr id="13" name="PlaceHolder 1"/>
+          <p:cNvPr id="18" name="PlaceHolder 1"/>
           <p:cNvSpPr>
             <a:spLocks noGrp="1"/>
           </p:cNvSpPr>
@@ -1584,7 +2303,7 @@
         <p:spPr>
           <a:xfrm>
             <a:off x="504000" y="226080"/>
-            <a:ext cx="9071640" cy="946440"/>
+            <a:ext cx="9071280" cy="946080"/>
           </a:xfrm>
           <a:prstGeom prst="rect">
             <a:avLst/>
@@ -1602,18 +2321,18 @@
             <a:pPr indent="0" algn="ctr">
               <a:buNone/>
             </a:pPr>
-            <a:endParaRPr b="0" lang="en-US" sz="4400" spc="-1" strike="noStrike">
-              <a:solidFill>
-                <a:srgbClr val="000000"/>
-              </a:solidFill>
-              <a:latin typeface="Arial"/>
-            </a:endParaRPr>
-          </a:p>
-        </p:txBody>
-      </p:sp>
-      <p:sp>
-        <p:nvSpPr>
-          <p:cNvPr id="14" name="PlaceHolder 2"/>
+            <a:endParaRPr b="0" lang="en-US" sz="1800" spc="-1" strike="noStrike">
+              <a:solidFill>
+                <a:srgbClr val="000000"/>
+              </a:solidFill>
+              <a:latin typeface="Arial"/>
+            </a:endParaRPr>
+          </a:p>
+        </p:txBody>
+      </p:sp>
+      <p:sp>
+        <p:nvSpPr>
+          <p:cNvPr id="19" name="PlaceHolder 2"/>
           <p:cNvSpPr>
             <a:spLocks noGrp="1"/>
           </p:cNvSpPr>
@@ -1624,7 +2343,7 @@
         <p:spPr>
           <a:xfrm>
             <a:off x="504000" y="1326600"/>
-            <a:ext cx="9071640" cy="3288240"/>
+            <a:ext cx="9071280" cy="3287880"/>
           </a:xfrm>
           <a:prstGeom prst="rect">
             <a:avLst/>
@@ -1642,7 +2361,7 @@
             <a:pPr indent="0" algn="ctr">
               <a:buNone/>
             </a:pPr>
-            <a:endParaRPr b="0" lang="en-US" sz="3200" spc="-1" strike="noStrike">
+            <a:endParaRPr b="0" lang="en-US" sz="1800" spc="-1" strike="noStrike">
               <a:solidFill>
                 <a:srgbClr val="000000"/>
               </a:solidFill>
@@ -1653,7 +2372,7 @@
       </p:sp>
       <p:pic>
         <p:nvPicPr>
-          <p:cNvPr id="15" name="" descr=""/>
+          <p:cNvPr id="20" name="" descr=""/>
           <p:cNvPicPr/>
           <p:nvPr/>
         </p:nvPicPr>
@@ -1664,7 +2383,7 @@
         <p:spPr>
           <a:xfrm>
             <a:off x="0" y="1440"/>
-            <a:ext cx="10093320" cy="5668560"/>
+            <a:ext cx="10092960" cy="5668200"/>
           </a:xfrm>
           <a:prstGeom prst="rect">
             <a:avLst/>
@@ -1706,7 +2425,7 @@
       </p:grpSpPr>
       <p:sp>
         <p:nvSpPr>
-          <p:cNvPr id="16" name="PlaceHolder 1"/>
+          <p:cNvPr id="21" name="PlaceHolder 1"/>
           <p:cNvSpPr>
             <a:spLocks noGrp="1"/>
           </p:cNvSpPr>
@@ -1717,7 +2436,7 @@
         <p:spPr>
           <a:xfrm>
             <a:off x="504000" y="226080"/>
-            <a:ext cx="9071640" cy="946440"/>
+            <a:ext cx="9071280" cy="946080"/>
           </a:xfrm>
           <a:prstGeom prst="rect">
             <a:avLst/>
@@ -1735,18 +2454,18 @@
             <a:pPr indent="0" algn="ctr">
               <a:buNone/>
             </a:pPr>
-            <a:endParaRPr b="0" lang="en-US" sz="4400" spc="-1" strike="noStrike">
-              <a:solidFill>
-                <a:srgbClr val="000000"/>
-              </a:solidFill>
-              <a:latin typeface="Arial"/>
-            </a:endParaRPr>
-          </a:p>
-        </p:txBody>
-      </p:sp>
-      <p:sp>
-        <p:nvSpPr>
-          <p:cNvPr id="17" name="PlaceHolder 2"/>
+            <a:endParaRPr b="0" lang="en-US" sz="1800" spc="-1" strike="noStrike">
+              <a:solidFill>
+                <a:srgbClr val="000000"/>
+              </a:solidFill>
+              <a:latin typeface="Arial"/>
+            </a:endParaRPr>
+          </a:p>
+        </p:txBody>
+      </p:sp>
+      <p:sp>
+        <p:nvSpPr>
+          <p:cNvPr id="22" name="PlaceHolder 2"/>
           <p:cNvSpPr>
             <a:spLocks noGrp="1"/>
           </p:cNvSpPr>
@@ -1757,7 +2476,7 @@
         <p:spPr>
           <a:xfrm>
             <a:off x="504000" y="1326600"/>
-            <a:ext cx="9071640" cy="3288240"/>
+            <a:ext cx="9071280" cy="3287880"/>
           </a:xfrm>
           <a:prstGeom prst="rect">
             <a:avLst/>
@@ -1778,7 +2497,7 @@
               </a:spcBef>
               <a:buNone/>
             </a:pPr>
-            <a:endParaRPr b="0" lang="en-US" sz="3200" spc="-1" strike="noStrike">
+            <a:endParaRPr b="0" lang="en-US" sz="1800" spc="-1" strike="noStrike">
               <a:solidFill>
                 <a:srgbClr val="000000"/>
               </a:solidFill>
@@ -1789,7 +2508,7 @@
       </p:sp>
       <p:pic>
         <p:nvPicPr>
-          <p:cNvPr id="18" name="" descr=""/>
+          <p:cNvPr id="23" name="" descr=""/>
           <p:cNvPicPr/>
           <p:nvPr/>
         </p:nvPicPr>
@@ -1800,7 +2519,7 @@
         <p:spPr>
           <a:xfrm>
             <a:off x="3240" y="-4320"/>
-            <a:ext cx="10068480" cy="5669640"/>
+            <a:ext cx="10068120" cy="5669280"/>
           </a:xfrm>
           <a:prstGeom prst="rect">
             <a:avLst/>
@@ -1842,7 +2561,7 @@
       </p:grpSpPr>
       <p:sp>
         <p:nvSpPr>
-          <p:cNvPr id="19" name="PlaceHolder 1"/>
+          <p:cNvPr id="24" name="PlaceHolder 1"/>
           <p:cNvSpPr>
             <a:spLocks noGrp="1"/>
           </p:cNvSpPr>
@@ -1853,7 +2572,7 @@
         <p:spPr>
           <a:xfrm>
             <a:off x="504000" y="226080"/>
-            <a:ext cx="9071640" cy="946440"/>
+            <a:ext cx="9071280" cy="946080"/>
           </a:xfrm>
           <a:prstGeom prst="rect">
             <a:avLst/>
@@ -1882,7 +2601,7 @@
       </p:sp>
       <p:sp>
         <p:nvSpPr>
-          <p:cNvPr id="20" name="PlaceHolder 2"/>
+          <p:cNvPr id="25" name="PlaceHolder 2"/>
           <p:cNvSpPr>
             <a:spLocks noGrp="1"/>
           </p:cNvSpPr>
@@ -1893,7 +2612,7 @@
         <p:spPr>
           <a:xfrm>
             <a:off x="504000" y="1326600"/>
-            <a:ext cx="9071640" cy="3288240"/>
+            <a:ext cx="9071280" cy="3287880"/>
           </a:xfrm>
           <a:prstGeom prst="rect">
             <a:avLst/>
@@ -1925,7 +2644,7 @@
       </p:sp>
       <p:pic>
         <p:nvPicPr>
-          <p:cNvPr id="21" name="" descr=""/>
+          <p:cNvPr id="26" name="" descr=""/>
           <p:cNvPicPr/>
           <p:nvPr/>
         </p:nvPicPr>
@@ -1935,8 +2654,31 @@
         </p:blipFill>
         <p:spPr>
           <a:xfrm>
-            <a:off x="0" y="-360000"/>
-            <a:ext cx="10080000" cy="6300000"/>
+            <a:off x="0" y="0"/>
+            <a:ext cx="10093680" cy="5670720"/>
+          </a:xfrm>
+          <a:prstGeom prst="rect">
+            <a:avLst/>
+          </a:prstGeom>
+          <a:ln w="0">
+            <a:noFill/>
+          </a:ln>
+        </p:spPr>
+      </p:pic>
+      <p:pic>
+        <p:nvPicPr>
+          <p:cNvPr id="27" name="" descr=""/>
+          <p:cNvPicPr/>
+          <p:nvPr/>
+        </p:nvPicPr>
+        <p:blipFill>
+          <a:blip r:embed="rId2"/>
+          <a:stretch/>
+        </p:blipFill>
+        <p:spPr>
+          <a:xfrm>
+            <a:off x="-2880" y="-4320"/>
+            <a:ext cx="10080360" cy="5669640"/>
           </a:xfrm>
           <a:prstGeom prst="rect">
             <a:avLst/>
@@ -1978,7 +2720,7 @@
       </p:grpSpPr>
       <p:sp>
         <p:nvSpPr>
-          <p:cNvPr id="22" name="PlaceHolder 1"/>
+          <p:cNvPr id="28" name="PlaceHolder 1"/>
           <p:cNvSpPr>
             <a:spLocks noGrp="1"/>
           </p:cNvSpPr>
@@ -1989,7 +2731,7 @@
         <p:spPr>
           <a:xfrm>
             <a:off x="504000" y="226080"/>
-            <a:ext cx="9071640" cy="946440"/>
+            <a:ext cx="9071280" cy="946080"/>
           </a:xfrm>
           <a:prstGeom prst="rect">
             <a:avLst/>
@@ -2007,18 +2749,18 @@
             <a:pPr indent="0" algn="ctr">
               <a:buNone/>
             </a:pPr>
-            <a:endParaRPr b="0" lang="en-US" sz="4400" spc="-1" strike="noStrike">
-              <a:solidFill>
-                <a:srgbClr val="000000"/>
-              </a:solidFill>
-              <a:latin typeface="Arial"/>
-            </a:endParaRPr>
-          </a:p>
-        </p:txBody>
-      </p:sp>
-      <p:sp>
-        <p:nvSpPr>
-          <p:cNvPr id="23" name="PlaceHolder 2"/>
+            <a:endParaRPr b="0" lang="en-US" sz="1800" spc="-1" strike="noStrike">
+              <a:solidFill>
+                <a:srgbClr val="000000"/>
+              </a:solidFill>
+              <a:latin typeface="Arial"/>
+            </a:endParaRPr>
+          </a:p>
+        </p:txBody>
+      </p:sp>
+      <p:sp>
+        <p:nvSpPr>
+          <p:cNvPr id="29" name="PlaceHolder 2"/>
           <p:cNvSpPr>
             <a:spLocks noGrp="1"/>
           </p:cNvSpPr>
@@ -2029,7 +2771,7 @@
         <p:spPr>
           <a:xfrm>
             <a:off x="504000" y="1326600"/>
-            <a:ext cx="9071640" cy="3288240"/>
+            <a:ext cx="9071280" cy="3287880"/>
           </a:xfrm>
           <a:prstGeom prst="rect">
             <a:avLst/>
@@ -2050,7 +2792,7 @@
               </a:spcBef>
               <a:buNone/>
             </a:pPr>
-            <a:endParaRPr b="0" lang="en-US" sz="3200" spc="-1" strike="noStrike">
+            <a:endParaRPr b="0" lang="en-US" sz="1800" spc="-1" strike="noStrike">
               <a:solidFill>
                 <a:srgbClr val="000000"/>
               </a:solidFill>
@@ -2061,7 +2803,7 @@
       </p:sp>
       <p:pic>
         <p:nvPicPr>
-          <p:cNvPr id="24" name="" descr=""/>
+          <p:cNvPr id="30" name="" descr=""/>
           <p:cNvPicPr/>
           <p:nvPr/>
         </p:nvPicPr>
@@ -2071,8 +2813,8 @@
         </p:blipFill>
         <p:spPr>
           <a:xfrm>
-            <a:off x="0" y="0"/>
-            <a:ext cx="10454400" cy="5670000"/>
+            <a:off x="0" y="-360000"/>
+            <a:ext cx="10079640" cy="6299640"/>
           </a:xfrm>
           <a:prstGeom prst="rect">
             <a:avLst/>
@@ -2114,7 +2856,7 @@
       </p:grpSpPr>
       <p:sp>
         <p:nvSpPr>
-          <p:cNvPr id="25" name="PlaceHolder 1"/>
+          <p:cNvPr id="31" name="PlaceHolder 1"/>
           <p:cNvSpPr>
             <a:spLocks noGrp="1"/>
           </p:cNvSpPr>
@@ -2125,7 +2867,7 @@
         <p:spPr>
           <a:xfrm>
             <a:off x="504000" y="226080"/>
-            <a:ext cx="9071640" cy="946440"/>
+            <a:ext cx="9071280" cy="946080"/>
           </a:xfrm>
           <a:prstGeom prst="rect">
             <a:avLst/>
@@ -2143,18 +2885,18 @@
             <a:pPr indent="0" algn="ctr">
               <a:buNone/>
             </a:pPr>
-            <a:endParaRPr b="0" lang="en-US" sz="4400" spc="-1" strike="noStrike">
-              <a:solidFill>
-                <a:srgbClr val="000000"/>
-              </a:solidFill>
-              <a:latin typeface="Arial"/>
-            </a:endParaRPr>
-          </a:p>
-        </p:txBody>
-      </p:sp>
-      <p:sp>
-        <p:nvSpPr>
-          <p:cNvPr id="26" name="PlaceHolder 2"/>
+            <a:endParaRPr b="0" lang="en-US" sz="1800" spc="-1" strike="noStrike">
+              <a:solidFill>
+                <a:srgbClr val="000000"/>
+              </a:solidFill>
+              <a:latin typeface="Arial"/>
+            </a:endParaRPr>
+          </a:p>
+        </p:txBody>
+      </p:sp>
+      <p:sp>
+        <p:nvSpPr>
+          <p:cNvPr id="32" name="PlaceHolder 2"/>
           <p:cNvSpPr>
             <a:spLocks noGrp="1"/>
           </p:cNvSpPr>
@@ -2165,7 +2907,7 @@
         <p:spPr>
           <a:xfrm>
             <a:off x="504000" y="1326600"/>
-            <a:ext cx="9071640" cy="3288240"/>
+            <a:ext cx="9071280" cy="3287880"/>
           </a:xfrm>
           <a:prstGeom prst="rect">
             <a:avLst/>
@@ -2186,7 +2928,7 @@
               </a:spcBef>
               <a:buNone/>
             </a:pPr>
-            <a:endParaRPr b="0" lang="en-US" sz="3200" spc="-1" strike="noStrike">
+            <a:endParaRPr b="0" lang="en-US" sz="1800" spc="-1" strike="noStrike">
               <a:solidFill>
                 <a:srgbClr val="000000"/>
               </a:solidFill>
@@ -2197,7 +2939,7 @@
       </p:sp>
       <p:pic>
         <p:nvPicPr>
-          <p:cNvPr id="27" name="" descr=""/>
+          <p:cNvPr id="33" name="" descr=""/>
           <p:cNvPicPr/>
           <p:nvPr/>
         </p:nvPicPr>
@@ -2208,7 +2950,7 @@
         <p:spPr>
           <a:xfrm>
             <a:off x="0" y="0"/>
-            <a:ext cx="10080000" cy="5656680"/>
+            <a:ext cx="10454040" cy="5669640"/>
           </a:xfrm>
           <a:prstGeom prst="rect">
             <a:avLst/>
@@ -2250,7 +2992,7 @@
       </p:grpSpPr>
       <p:sp>
         <p:nvSpPr>
-          <p:cNvPr id="28" name="PlaceHolder 1"/>
+          <p:cNvPr id="34" name="PlaceHolder 1"/>
           <p:cNvSpPr>
             <a:spLocks noGrp="1"/>
           </p:cNvSpPr>
@@ -2261,7 +3003,7 @@
         <p:spPr>
           <a:xfrm>
             <a:off x="504000" y="226080"/>
-            <a:ext cx="9071640" cy="946440"/>
+            <a:ext cx="9071280" cy="946080"/>
           </a:xfrm>
           <a:prstGeom prst="rect">
             <a:avLst/>
@@ -2279,18 +3021,18 @@
             <a:pPr indent="0" algn="ctr">
               <a:buNone/>
             </a:pPr>
-            <a:endParaRPr b="0" lang="en-US" sz="4400" spc="-1" strike="noStrike">
-              <a:solidFill>
-                <a:srgbClr val="000000"/>
-              </a:solidFill>
-              <a:latin typeface="Arial"/>
-            </a:endParaRPr>
-          </a:p>
-        </p:txBody>
-      </p:sp>
-      <p:sp>
-        <p:nvSpPr>
-          <p:cNvPr id="29" name="PlaceHolder 2"/>
+            <a:endParaRPr b="0" lang="en-US" sz="1800" spc="-1" strike="noStrike">
+              <a:solidFill>
+                <a:srgbClr val="000000"/>
+              </a:solidFill>
+              <a:latin typeface="Arial"/>
+            </a:endParaRPr>
+          </a:p>
+        </p:txBody>
+      </p:sp>
+      <p:sp>
+        <p:nvSpPr>
+          <p:cNvPr id="35" name="PlaceHolder 2"/>
           <p:cNvSpPr>
             <a:spLocks noGrp="1"/>
           </p:cNvSpPr>
@@ -2301,7 +3043,7 @@
         <p:spPr>
           <a:xfrm>
             <a:off x="504000" y="1326600"/>
-            <a:ext cx="9071640" cy="3288240"/>
+            <a:ext cx="9071280" cy="3287880"/>
           </a:xfrm>
           <a:prstGeom prst="rect">
             <a:avLst/>
@@ -2322,7 +3064,7 @@
               </a:spcBef>
               <a:buNone/>
             </a:pPr>
-            <a:endParaRPr b="0" lang="en-US" sz="3200" spc="-1" strike="noStrike">
+            <a:endParaRPr b="0" lang="en-US" sz="1800" spc="-1" strike="noStrike">
               <a:solidFill>
                 <a:srgbClr val="000000"/>
               </a:solidFill>
@@ -2333,7 +3075,7 @@
       </p:sp>
       <p:pic>
         <p:nvPicPr>
-          <p:cNvPr id="30" name="" descr=""/>
+          <p:cNvPr id="36" name="" descr=""/>
           <p:cNvPicPr/>
           <p:nvPr/>
         </p:nvPicPr>
@@ -2343,8 +3085,8 @@
         </p:blipFill>
         <p:spPr>
           <a:xfrm>
-            <a:off x="-2520" y="-4320"/>
-            <a:ext cx="10079640" cy="5669640"/>
+            <a:off x="0" y="0"/>
+            <a:ext cx="10079640" cy="5656320"/>
           </a:xfrm>
           <a:prstGeom prst="rect">
             <a:avLst/>
@@ -2386,7 +3128,7 @@
       </p:grpSpPr>
       <p:sp>
         <p:nvSpPr>
-          <p:cNvPr id="31" name="PlaceHolder 1"/>
+          <p:cNvPr id="37" name="PlaceHolder 1"/>
           <p:cNvSpPr>
             <a:spLocks noGrp="1"/>
           </p:cNvSpPr>
@@ -2397,7 +3139,7 @@
         <p:spPr>
           <a:xfrm>
             <a:off x="504000" y="226080"/>
-            <a:ext cx="9071640" cy="946440"/>
+            <a:ext cx="9071280" cy="946080"/>
           </a:xfrm>
           <a:prstGeom prst="rect">
             <a:avLst/>
@@ -2415,18 +3157,18 @@
             <a:pPr indent="0" algn="ctr">
               <a:buNone/>
             </a:pPr>
-            <a:endParaRPr b="0" lang="en-US" sz="4400" spc="-1" strike="noStrike">
-              <a:solidFill>
-                <a:srgbClr val="000000"/>
-              </a:solidFill>
-              <a:latin typeface="Arial"/>
-            </a:endParaRPr>
-          </a:p>
-        </p:txBody>
-      </p:sp>
-      <p:sp>
-        <p:nvSpPr>
-          <p:cNvPr id="32" name="PlaceHolder 2"/>
+            <a:endParaRPr b="0" lang="en-US" sz="1800" spc="-1" strike="noStrike">
+              <a:solidFill>
+                <a:srgbClr val="000000"/>
+              </a:solidFill>
+              <a:latin typeface="Arial"/>
+            </a:endParaRPr>
+          </a:p>
+        </p:txBody>
+      </p:sp>
+      <p:sp>
+        <p:nvSpPr>
+          <p:cNvPr id="38" name="PlaceHolder 2"/>
           <p:cNvSpPr>
             <a:spLocks noGrp="1"/>
           </p:cNvSpPr>
@@ -2437,7 +3179,7 @@
         <p:spPr>
           <a:xfrm>
             <a:off x="504000" y="1326600"/>
-            <a:ext cx="9071640" cy="3288240"/>
+            <a:ext cx="9071280" cy="3287880"/>
           </a:xfrm>
           <a:prstGeom prst="rect">
             <a:avLst/>
@@ -2458,7 +3200,7 @@
               </a:spcBef>
               <a:buNone/>
             </a:pPr>
-            <a:endParaRPr b="0" lang="en-US" sz="3200" spc="-1" strike="noStrike">
+            <a:endParaRPr b="0" lang="en-US" sz="1800" spc="-1" strike="noStrike">
               <a:solidFill>
                 <a:srgbClr val="000000"/>
               </a:solidFill>
@@ -2469,7 +3211,7 @@
       </p:sp>
       <p:pic>
         <p:nvPicPr>
-          <p:cNvPr id="33" name="" descr=""/>
+          <p:cNvPr id="39" name="" descr=""/>
           <p:cNvPicPr/>
           <p:nvPr/>
         </p:nvPicPr>
@@ -2479,8 +3221,8 @@
         </p:blipFill>
         <p:spPr>
           <a:xfrm>
-            <a:off x="0" y="0"/>
-            <a:ext cx="10080000" cy="5853240"/>
+            <a:off x="-2520" y="-4320"/>
+            <a:ext cx="10079280" cy="5669280"/>
           </a:xfrm>
           <a:prstGeom prst="rect">
             <a:avLst/>
@@ -2607,4 +3349,110 @@
     </a:fmtScheme>
   </a:themeElements>
 </a:theme>
+</file>
+
+<file path=ppt/theme/theme2.xml><?xml version="1.0" encoding="utf-8"?>
+<a:theme xmlns:a="http://schemas.openxmlformats.org/drawingml/2006/main" xmlns:r="http://schemas.openxmlformats.org/officeDocument/2006/relationships" name="Office">
+  <a:themeElements>
+    <a:clrScheme name="LibreOffice">
+      <a:dk1>
+        <a:srgbClr val="000000"/>
+      </a:dk1>
+      <a:lt1>
+        <a:srgbClr val="ffffff"/>
+      </a:lt1>
+      <a:dk2>
+        <a:srgbClr val="000000"/>
+      </a:dk2>
+      <a:lt2>
+        <a:srgbClr val="ffffff"/>
+      </a:lt2>
+      <a:accent1>
+        <a:srgbClr val="18a303"/>
+      </a:accent1>
+      <a:accent2>
+        <a:srgbClr val="0369a3"/>
+      </a:accent2>
+      <a:accent3>
+        <a:srgbClr val="a33e03"/>
+      </a:accent3>
+      <a:accent4>
+        <a:srgbClr val="8e03a3"/>
+      </a:accent4>
+      <a:accent5>
+        <a:srgbClr val="c99c00"/>
+      </a:accent5>
+      <a:accent6>
+        <a:srgbClr val="c9211e"/>
+      </a:accent6>
+      <a:hlink>
+        <a:srgbClr val="0000ee"/>
+      </a:hlink>
+      <a:folHlink>
+        <a:srgbClr val="551a8b"/>
+      </a:folHlink>
+    </a:clrScheme>
+    <a:fontScheme name="Office">
+      <a:majorFont>
+        <a:latin typeface="Arial" pitchFamily="0" charset="1"/>
+        <a:ea typeface="DejaVu Sans" pitchFamily="0" charset="1"/>
+        <a:cs typeface="DejaVu Sans" pitchFamily="0" charset="1"/>
+      </a:majorFont>
+      <a:minorFont>
+        <a:latin typeface="Arial" pitchFamily="0" charset="1"/>
+        <a:ea typeface="DejaVu Sans" pitchFamily="0" charset="1"/>
+        <a:cs typeface="DejaVu Sans" pitchFamily="0" charset="1"/>
+      </a:minorFont>
+    </a:fontScheme>
+    <a:fmtScheme>
+      <a:fillStyleLst>
+        <a:solidFill>
+          <a:schemeClr val="phClr"/>
+        </a:solidFill>
+        <a:solidFill>
+          <a:schemeClr val="phClr"/>
+        </a:solidFill>
+        <a:solidFill>
+          <a:schemeClr val="phClr"/>
+        </a:solidFill>
+      </a:fillStyleLst>
+      <a:lnStyleLst>
+        <a:ln w="6350" cap="flat" cmpd="sng" algn="ctr">
+          <a:prstDash val="solid"/>
+          <a:miter/>
+        </a:ln>
+        <a:ln w="6350" cap="flat" cmpd="sng" algn="ctr">
+          <a:prstDash val="solid"/>
+          <a:miter/>
+        </a:ln>
+        <a:ln w="6350" cap="flat" cmpd="sng" algn="ctr">
+          <a:prstDash val="solid"/>
+          <a:miter/>
+        </a:ln>
+      </a:lnStyleLst>
+      <a:effectStyleLst>
+        <a:effectStyle>
+          <a:effectLst/>
+        </a:effectStyle>
+        <a:effectStyle>
+          <a:effectLst/>
+        </a:effectStyle>
+        <a:effectStyle>
+          <a:effectLst/>
+        </a:effectStyle>
+      </a:effectStyleLst>
+      <a:bgFillStyleLst>
+        <a:solidFill>
+          <a:schemeClr val="phClr"/>
+        </a:solidFill>
+        <a:solidFill>
+          <a:schemeClr val="phClr"/>
+        </a:solidFill>
+        <a:solidFill>
+          <a:schemeClr val="phClr"/>
+        </a:solidFill>
+      </a:bgFillStyleLst>
+    </a:fmtScheme>
+  </a:themeElements>
+</a:theme>
 </file>